--- a/python-for-beginners/Slides/8 - Conditions.pptx
+++ b/python-for-beginners/Slides/8 - Conditions.pptx
@@ -707,7 +707,7 @@
               <a:rPr lang="en-US" smtClean="0">
                 <a:latin typeface="Segoe UI" pitchFamily="34" charset="0"/>
               </a:rPr>
-              <a:t>6/10/2019 1:43 PM</a:t>
+              <a:t>7/17/2020 7:50 PM</a:t>
             </a:fld>
             <a:endParaRPr lang="en-US" dirty="0">
               <a:latin typeface="Segoe UI" pitchFamily="34" charset="0"/>
@@ -985,7 +985,7 @@
           <a:p>
             <a:fld id="{38EEC551-8CDA-4EB6-89BB-2A86C9F091C8}" type="datetime8">
               <a:rPr lang="en-US" smtClean="0"/>
-              <a:t>6/10/2019 1:42 PM</a:t>
+              <a:t>7/17/2020 7:49 PM</a:t>
             </a:fld>
             <a:endParaRPr lang="en-US" dirty="0"/>
           </a:p>
@@ -1319,7 +1319,7 @@
           <a:p>
             <a:fld id="{6108602D-D426-4C00-B215-BFA18C076426}" type="datetime8">
               <a:rPr lang="en-US" smtClean="0"/>
-              <a:t>6/10/2019 1:42 PM</a:t>
+              <a:t>7/17/2020 7:55 PM</a:t>
             </a:fld>
             <a:endParaRPr lang="en-US" dirty="0"/>
           </a:p>
@@ -1484,7 +1484,7 @@
           <a:p>
             <a:fld id="{6108602D-D426-4C00-B215-BFA18C076426}" type="datetime8">
               <a:rPr lang="en-US" smtClean="0"/>
-              <a:t>6/10/2019 1:42 PM</a:t>
+              <a:t>7/17/2020 7:56 PM</a:t>
             </a:fld>
             <a:endParaRPr lang="en-US" dirty="0"/>
           </a:p>
@@ -1649,7 +1649,7 @@
           <a:p>
             <a:fld id="{6108602D-D426-4C00-B215-BFA18C076426}" type="datetime8">
               <a:rPr lang="en-US" smtClean="0"/>
-              <a:t>6/10/2019 1:42 PM</a:t>
+              <a:t>7/17/2020 7:56 PM</a:t>
             </a:fld>
             <a:endParaRPr lang="en-US" dirty="0"/>
           </a:p>
@@ -1769,6 +1769,10 @@
           <a:bodyPr/>
           <a:lstStyle/>
           <a:p>
+            <a:r>
+              <a:rPr lang="pt-BR" dirty="0"/>
+              <a:t>As comparações de string diferenciam maiúsculas de minúsculas</a:t>
+            </a:r>
             <a:endParaRPr lang="en-US" dirty="0"/>
           </a:p>
         </p:txBody>
@@ -1814,7 +1818,7 @@
           <a:p>
             <a:fld id="{6108602D-D426-4C00-B215-BFA18C076426}" type="datetime8">
               <a:rPr lang="en-US" smtClean="0"/>
-              <a:t>6/10/2019 1:42 PM</a:t>
+              <a:t>7/17/2020 8:04 PM</a:t>
             </a:fld>
             <a:endParaRPr lang="en-US" dirty="0"/>
           </a:p>
@@ -1979,7 +1983,7 @@
           <a:p>
             <a:fld id="{6108602D-D426-4C00-B215-BFA18C076426}" type="datetime8">
               <a:rPr lang="en-US" smtClean="0"/>
-              <a:t>6/10/2019 1:44 PM</a:t>
+              <a:t>7/17/2020 8:05 PM</a:t>
             </a:fld>
             <a:endParaRPr lang="en-US" dirty="0"/>
           </a:p>
@@ -2144,7 +2148,7 @@
           <a:p>
             <a:fld id="{6108602D-D426-4C00-B215-BFA18C076426}" type="datetime8">
               <a:rPr lang="en-US" smtClean="0"/>
-              <a:t>6/10/2019 1:42 PM</a:t>
+              <a:t>7/17/2020 8:08 PM</a:t>
             </a:fld>
             <a:endParaRPr lang="en-US" dirty="0"/>
           </a:p>
@@ -40442,12 +40446,28 @@
           </a:lstStyle>
           <a:p>
             <a:r>
-              <a:rPr lang="en-US">
+              <a:rPr lang="en-US" dirty="0" err="1">
                 <a:solidFill>
                   <a:schemeClr val="bg1"/>
                 </a:solidFill>
               </a:rPr>
-              <a:t>Handling conditions</a:t>
+              <a:t>Manipulação</a:t>
+            </a:r>
+            <a:r>
+              <a:rPr lang="en-US" dirty="0">
+                <a:solidFill>
+                  <a:schemeClr val="bg1"/>
+                </a:solidFill>
+              </a:rPr>
+              <a:t> de </a:t>
+            </a:r>
+            <a:r>
+              <a:rPr lang="en-US" dirty="0" err="1">
+                <a:solidFill>
+                  <a:schemeClr val="bg1"/>
+                </a:solidFill>
+              </a:rPr>
+              <a:t>Condicionais</a:t>
             </a:r>
             <a:endParaRPr lang="en-US" dirty="0">
               <a:solidFill>
@@ -40507,13 +40527,16 @@
         </p:nvSpPr>
         <p:spPr/>
         <p:txBody>
-          <a:bodyPr/>
+          <a:bodyPr>
+            <a:normAutofit fontScale="90000"/>
+          </a:bodyPr>
           <a:lstStyle/>
           <a:p>
             <a:r>
-              <a:rPr lang="en-US" b="1" dirty="0"/>
-              <a:t>Your code needs the ability to take different actions based on different conditions</a:t>
+              <a:rPr lang="pt-BR" b="1" dirty="0"/>
+              <a:t>Seu código precisa da capacidade de executar ações diferentes com base em condições diferentes</a:t>
             </a:r>
+            <a:endParaRPr lang="en-US" b="1" dirty="0"/>
           </a:p>
         </p:txBody>
       </p:sp>
@@ -40639,7 +40662,7 @@
           <p:nvPr>
             <p:extLst>
               <p:ext uri="{D42A27DB-BD31-4B8C-83A1-F6EECF244321}">
-                <p14:modId xmlns:p14="http://schemas.microsoft.com/office/powerpoint/2010/main" val="2940255681"/>
+                <p14:modId xmlns:p14="http://schemas.microsoft.com/office/powerpoint/2010/main" val="53287779"/>
               </p:ext>
             </p:extLst>
           </p:nvPr>
@@ -40677,9 +40700,10 @@
                     <a:lstStyle/>
                     <a:p>
                       <a:r>
-                        <a:rPr lang="en-CA" dirty="0"/>
-                        <a:t>Symbol</a:t>
+                        <a:rPr lang="en-CA" dirty="0" err="1"/>
+                        <a:t>Símbolo</a:t>
                       </a:r>
+                      <a:endParaRPr lang="en-CA" dirty="0"/>
                     </a:p>
                   </a:txBody>
                   <a:tcPr/>
@@ -40690,9 +40714,10 @@
                     <a:lstStyle/>
                     <a:p>
                       <a:r>
-                        <a:rPr lang="en-CA" dirty="0"/>
-                        <a:t>Operation</a:t>
+                        <a:rPr lang="en-CA" dirty="0" err="1"/>
+                        <a:t>Operação</a:t>
                       </a:r>
+                      <a:endParaRPr lang="en-CA" dirty="0"/>
                     </a:p>
                   </a:txBody>
                   <a:tcPr/>
@@ -40723,8 +40748,12 @@
                     <a:lstStyle/>
                     <a:p>
                       <a:r>
+                        <a:rPr lang="en-CA" b="1" dirty="0" err="1"/>
+                        <a:t>Maior</a:t>
+                      </a:r>
+                      <a:r>
                         <a:rPr lang="en-CA" b="1" dirty="0"/>
-                        <a:t>Greater than</a:t>
+                        <a:t> que</a:t>
                       </a:r>
                     </a:p>
                   </a:txBody>
@@ -40756,8 +40785,12 @@
                     <a:lstStyle/>
                     <a:p>
                       <a:r>
+                        <a:rPr lang="en-CA" b="1" dirty="0" err="1"/>
+                        <a:t>Menor</a:t>
+                      </a:r>
+                      <a:r>
                         <a:rPr lang="en-CA" b="1" dirty="0"/>
-                        <a:t>Less than</a:t>
+                        <a:t> que</a:t>
                       </a:r>
                     </a:p>
                   </a:txBody>
@@ -40789,9 +40822,10 @@
                     <a:lstStyle/>
                     <a:p>
                       <a:r>
-                        <a:rPr lang="en-CA" b="1" dirty="0"/>
-                        <a:t>Greater than or equal to</a:t>
+                        <a:rPr lang="pt-BR" b="1" dirty="0"/>
+                        <a:t>Maior que ou igual a</a:t>
                       </a:r>
+                      <a:endParaRPr lang="en-CA" b="1" dirty="0"/>
                     </a:p>
                   </a:txBody>
                   <a:tcPr/>
@@ -40822,9 +40856,10 @@
                     <a:lstStyle/>
                     <a:p>
                       <a:r>
-                        <a:rPr lang="en-CA" b="1" dirty="0"/>
-                        <a:t>Less than or equal to</a:t>
+                        <a:rPr lang="pt-BR" b="1" dirty="0"/>
+                        <a:t>Menor que ou igual a</a:t>
                       </a:r>
+                      <a:endParaRPr lang="en-CA" b="1" dirty="0"/>
                     </a:p>
                   </a:txBody>
                   <a:tcPr/>
@@ -40856,7 +40891,15 @@
                     <a:p>
                       <a:r>
                         <a:rPr lang="en-CA" b="1" dirty="0"/>
-                        <a:t>is equal to</a:t>
+                        <a:t>é </a:t>
+                      </a:r>
+                      <a:r>
+                        <a:rPr lang="en-CA" b="1" dirty="0" err="1"/>
+                        <a:t>igual</a:t>
+                      </a:r>
+                      <a:r>
+                        <a:rPr lang="en-CA" b="1" dirty="0"/>
+                        <a:t> a</a:t>
                       </a:r>
                     </a:p>
                   </a:txBody>
@@ -40888,8 +40931,20 @@
                     <a:lstStyle/>
                     <a:p>
                       <a:r>
+                        <a:rPr lang="en-CA" b="1" dirty="0" err="1"/>
+                        <a:t>não</a:t>
+                      </a:r>
+                      <a:r>
                         <a:rPr lang="en-CA" b="1" dirty="0"/>
-                        <a:t>is not equal to</a:t>
+                        <a:t> é </a:t>
+                      </a:r>
+                      <a:r>
+                        <a:rPr lang="en-CA" b="1" dirty="0" err="1"/>
+                        <a:t>igual</a:t>
+                      </a:r>
+                      <a:r>
+                        <a:rPr lang="en-CA" b="1" dirty="0"/>
+                        <a:t> a</a:t>
                       </a:r>
                     </a:p>
                   </a:txBody>
@@ -41030,12 +41085,14 @@
         </p:nvSpPr>
         <p:spPr/>
         <p:txBody>
-          <a:bodyPr/>
+          <a:bodyPr>
+            <a:normAutofit fontScale="90000"/>
+          </a:bodyPr>
           <a:lstStyle/>
           <a:p>
             <a:r>
-              <a:rPr lang="en-US" b="1" dirty="0"/>
-              <a:t>You can add a default action using else</a:t>
+              <a:rPr lang="pt-BR" b="1" dirty="0"/>
+              <a:t>Você pode adicionar uma ação padrão usando else</a:t>
             </a:r>
             <a:endParaRPr lang="en-US" dirty="0"/>
           </a:p>
@@ -41177,12 +41234,14 @@
         </p:nvSpPr>
         <p:spPr/>
         <p:txBody>
-          <a:bodyPr/>
+          <a:bodyPr>
+            <a:normAutofit fontScale="90000"/>
+          </a:bodyPr>
           <a:lstStyle/>
           <a:p>
             <a:r>
-              <a:rPr lang="en-US" b="1" dirty="0"/>
-              <a:t>How you indent your code changes execution</a:t>
+              <a:rPr lang="pt-BR" b="1" dirty="0"/>
+              <a:t>Como você recua seu código altera a execução</a:t>
             </a:r>
             <a:endParaRPr lang="en-US" dirty="0"/>
           </a:p>
@@ -41721,8 +41780,8 @@
           <a:lstStyle/>
           <a:p>
             <a:r>
-              <a:rPr lang="en-US" b="1" dirty="0"/>
-              <a:t>Be careful when comparing strings</a:t>
+              <a:rPr lang="pt-BR" b="1" dirty="0"/>
+              <a:t>Tenha cuidado ao comparar strings</a:t>
             </a:r>
             <a:endParaRPr lang="en-US" dirty="0"/>
           </a:p>
@@ -41758,7 +41817,7 @@
                   <a:srgbClr val="C00000"/>
                 </a:solidFill>
               </a:rPr>
-              <a:t>'CANADA'</a:t>
+              <a:t>'BRASIL'</a:t>
             </a:r>
           </a:p>
           <a:p>
@@ -41772,23 +41831,7 @@
                   <a:srgbClr val="C00000"/>
                 </a:solidFill>
               </a:rPr>
-              <a:t>'</a:t>
-            </a:r>
-            <a:r>
-              <a:rPr lang="en-US" dirty="0" err="1">
-                <a:solidFill>
-                  <a:srgbClr val="C00000"/>
-                </a:solidFill>
-              </a:rPr>
-              <a:t>canada</a:t>
-            </a:r>
-            <a:r>
-              <a:rPr lang="en-US" dirty="0">
-                <a:solidFill>
-                  <a:srgbClr val="C00000"/>
-                </a:solidFill>
-              </a:rPr>
-              <a:t>'</a:t>
+              <a:t>‘brasil'</a:t>
             </a:r>
             <a:r>
               <a:rPr lang="en-US" dirty="0">
@@ -41810,7 +41853,39 @@
                   <a:srgbClr val="C00000"/>
                 </a:solidFill>
               </a:rPr>
-              <a:t>'Oh look a Canadian'</a:t>
+              <a:t>‘Oh, </a:t>
+            </a:r>
+            <a:r>
+              <a:rPr lang="en-US" dirty="0" err="1">
+                <a:solidFill>
+                  <a:srgbClr val="C00000"/>
+                </a:solidFill>
+              </a:rPr>
+              <a:t>uma</a:t>
+            </a:r>
+            <a:r>
+              <a:rPr lang="en-US" dirty="0">
+                <a:solidFill>
+                  <a:srgbClr val="C00000"/>
+                </a:solidFill>
+              </a:rPr>
+              <a:t> </a:t>
+            </a:r>
+            <a:r>
+              <a:rPr lang="en-US" dirty="0" err="1">
+                <a:solidFill>
+                  <a:srgbClr val="C00000"/>
+                </a:solidFill>
+              </a:rPr>
+              <a:t>brasileira</a:t>
+            </a:r>
+            <a:r>
+              <a:rPr lang="en-US" dirty="0">
+                <a:solidFill>
+                  <a:srgbClr val="C00000"/>
+                </a:solidFill>
+              </a:rPr>
+              <a:t>'</a:t>
             </a:r>
             <a:r>
               <a:rPr lang="en-US" dirty="0">
@@ -41838,7 +41913,886 @@
                   <a:srgbClr val="C00000"/>
                 </a:solidFill>
               </a:rPr>
-              <a:t>'You are not from Canada'</a:t>
+              <a:t>'</a:t>
+            </a:r>
+            <a:r>
+              <a:rPr lang="pt-BR" dirty="0">
+                <a:solidFill>
+                  <a:srgbClr val="C00000"/>
+                </a:solidFill>
+              </a:rPr>
+              <a:t>Você não é do Brasil</a:t>
+            </a:r>
+            <a:r>
+              <a:rPr lang="en-US" dirty="0">
+                <a:solidFill>
+                  <a:srgbClr val="C00000"/>
+                </a:solidFill>
+              </a:rPr>
+              <a:t>'</a:t>
+            </a:r>
+            <a:r>
+              <a:rPr lang="en-US" dirty="0">
+                <a:solidFill>
+                  <a:srgbClr val="002050"/>
+                </a:solidFill>
+              </a:rPr>
+              <a:t>)</a:t>
+            </a:r>
+          </a:p>
+        </p:txBody>
+      </p:sp>
+      <p:sp>
+        <p:nvSpPr>
+          <p:cNvPr id="6" name="Text Placeholder 4">
+            <a:extLst>
+              <a:ext uri="{FF2B5EF4-FFF2-40B4-BE49-F238E27FC236}">
+                <a16:creationId xmlns:a16="http://schemas.microsoft.com/office/drawing/2014/main" id="{4F4D9F13-C119-40D2-9B3B-8DCD9D0EA709}"/>
+              </a:ext>
+            </a:extLst>
+          </p:cNvPr>
+          <p:cNvSpPr txBox="1">
+            <a:spLocks/>
+          </p:cNvSpPr>
+          <p:nvPr/>
+        </p:nvSpPr>
+        <p:spPr>
+          <a:xfrm>
+            <a:off x="365760" y="5029513"/>
+            <a:ext cx="11704320" cy="1668149"/>
+          </a:xfrm>
+          <a:prstGeom prst="rect">
+            <a:avLst/>
+          </a:prstGeom>
+          <a:solidFill>
+            <a:schemeClr val="tx1"/>
+          </a:solidFill>
+        </p:spPr>
+        <p:txBody>
+          <a:bodyPr vert="horz" wrap="square" lIns="91440" tIns="91440" rIns="91440" bIns="91440" rtlCol="0">
+            <a:spAutoFit/>
+          </a:bodyPr>
+          <a:lstStyle>
+            <a:lvl1pPr marL="0" marR="0" indent="0" algn="l" defTabSz="932742" rtl="0" eaLnBrk="1" fontAlgn="auto" latinLnBrk="0" hangingPunct="1">
+              <a:lnSpc>
+                <a:spcPct val="90000"/>
+              </a:lnSpc>
+              <a:spcBef>
+                <a:spcPts val="600"/>
+              </a:spcBef>
+              <a:spcAft>
+                <a:spcPts val="0"/>
+              </a:spcAft>
+              <a:buClrTx/>
+              <a:buSzPct val="90000"/>
+              <a:buFont typeface="Arial" pitchFamily="34" charset="0"/>
+              <a:buNone/>
+              <a:tabLst/>
+              <a:defRPr sz="3200" kern="1200" spc="0" baseline="0">
+                <a:gradFill>
+                  <a:gsLst>
+                    <a:gs pos="1250">
+                      <a:srgbClr val="000000"/>
+                    </a:gs>
+                    <a:gs pos="100000">
+                      <a:srgbClr val="000000"/>
+                    </a:gs>
+                  </a:gsLst>
+                  <a:lin ang="5400000" scaled="0"/>
+                </a:gradFill>
+                <a:latin typeface="Consolas" panose="020B0609020204030204" pitchFamily="49" charset="0"/>
+                <a:ea typeface="+mn-ea"/>
+                <a:cs typeface="Consolas" panose="020B0609020204030204" pitchFamily="49" charset="0"/>
+              </a:defRPr>
+            </a:lvl1pPr>
+            <a:lvl2pPr marL="228600" marR="0" indent="0" algn="l" defTabSz="932742" rtl="0" eaLnBrk="1" fontAlgn="auto" latinLnBrk="0" hangingPunct="1">
+              <a:lnSpc>
+                <a:spcPct val="90000"/>
+              </a:lnSpc>
+              <a:spcBef>
+                <a:spcPts val="600"/>
+              </a:spcBef>
+              <a:spcAft>
+                <a:spcPts val="0"/>
+              </a:spcAft>
+              <a:buClrTx/>
+              <a:buSzPct val="90000"/>
+              <a:buFont typeface="Arial" pitchFamily="34" charset="0"/>
+              <a:buNone/>
+              <a:tabLst/>
+              <a:defRPr sz="2000" kern="1200" spc="0" baseline="0">
+                <a:gradFill>
+                  <a:gsLst>
+                    <a:gs pos="1250">
+                      <a:srgbClr val="000000"/>
+                    </a:gs>
+                    <a:gs pos="100000">
+                      <a:srgbClr val="000000"/>
+                    </a:gs>
+                  </a:gsLst>
+                  <a:lin ang="5400000" scaled="0"/>
+                </a:gradFill>
+                <a:latin typeface="Consolas" panose="020B0609020204030204" pitchFamily="49" charset="0"/>
+                <a:ea typeface="+mn-ea"/>
+                <a:cs typeface="Consolas" panose="020B0609020204030204" pitchFamily="49" charset="0"/>
+              </a:defRPr>
+            </a:lvl2pPr>
+            <a:lvl3pPr marL="457200" marR="0" indent="0" algn="l" defTabSz="932742" rtl="0" eaLnBrk="1" fontAlgn="auto" latinLnBrk="0" hangingPunct="1">
+              <a:lnSpc>
+                <a:spcPct val="90000"/>
+              </a:lnSpc>
+              <a:spcBef>
+                <a:spcPts val="600"/>
+              </a:spcBef>
+              <a:spcAft>
+                <a:spcPts val="0"/>
+              </a:spcAft>
+              <a:buClrTx/>
+              <a:buSzPct val="90000"/>
+              <a:buFont typeface="Arial" pitchFamily="34" charset="0"/>
+              <a:buNone/>
+              <a:tabLst/>
+              <a:defRPr sz="2000" kern="1200" spc="0" baseline="0">
+                <a:gradFill>
+                  <a:gsLst>
+                    <a:gs pos="1250">
+                      <a:srgbClr val="000000"/>
+                    </a:gs>
+                    <a:gs pos="100000">
+                      <a:srgbClr val="000000"/>
+                    </a:gs>
+                  </a:gsLst>
+                  <a:lin ang="5400000" scaled="0"/>
+                </a:gradFill>
+                <a:latin typeface="Consolas" panose="020B0609020204030204" pitchFamily="49" charset="0"/>
+                <a:ea typeface="+mn-ea"/>
+                <a:cs typeface="Consolas" panose="020B0609020204030204" pitchFamily="49" charset="0"/>
+              </a:defRPr>
+            </a:lvl3pPr>
+            <a:lvl4pPr marL="685800" marR="0" indent="0" algn="l" defTabSz="932742" rtl="0" eaLnBrk="1" fontAlgn="auto" latinLnBrk="0" hangingPunct="1">
+              <a:lnSpc>
+                <a:spcPct val="90000"/>
+              </a:lnSpc>
+              <a:spcBef>
+                <a:spcPts val="600"/>
+              </a:spcBef>
+              <a:spcAft>
+                <a:spcPts val="0"/>
+              </a:spcAft>
+              <a:buClrTx/>
+              <a:buSzPct val="90000"/>
+              <a:buFont typeface="Arial" pitchFamily="34" charset="0"/>
+              <a:buNone/>
+              <a:tabLst/>
+              <a:defRPr sz="2000" kern="1200" spc="0" baseline="0">
+                <a:gradFill>
+                  <a:gsLst>
+                    <a:gs pos="1250">
+                      <a:srgbClr val="000000"/>
+                    </a:gs>
+                    <a:gs pos="100000">
+                      <a:srgbClr val="000000"/>
+                    </a:gs>
+                  </a:gsLst>
+                  <a:lin ang="5400000" scaled="0"/>
+                </a:gradFill>
+                <a:latin typeface="Consolas" panose="020B0609020204030204" pitchFamily="49" charset="0"/>
+                <a:ea typeface="+mn-ea"/>
+                <a:cs typeface="Consolas" panose="020B0609020204030204" pitchFamily="49" charset="0"/>
+              </a:defRPr>
+            </a:lvl4pPr>
+            <a:lvl5pPr marL="914400" marR="0" indent="0" algn="l" defTabSz="932742" rtl="0" eaLnBrk="1" fontAlgn="auto" latinLnBrk="0" hangingPunct="1">
+              <a:lnSpc>
+                <a:spcPct val="90000"/>
+              </a:lnSpc>
+              <a:spcBef>
+                <a:spcPts val="600"/>
+              </a:spcBef>
+              <a:spcAft>
+                <a:spcPts val="0"/>
+              </a:spcAft>
+              <a:buClrTx/>
+              <a:buSzPct val="90000"/>
+              <a:buFont typeface="Arial" pitchFamily="34" charset="0"/>
+              <a:buNone/>
+              <a:tabLst/>
+              <a:defRPr sz="2000" kern="1200" spc="0" baseline="0">
+                <a:gradFill>
+                  <a:gsLst>
+                    <a:gs pos="1250">
+                      <a:srgbClr val="000000"/>
+                    </a:gs>
+                    <a:gs pos="100000">
+                      <a:srgbClr val="000000"/>
+                    </a:gs>
+                  </a:gsLst>
+                  <a:lin ang="5400000" scaled="0"/>
+                </a:gradFill>
+                <a:latin typeface="Consolas" panose="020B0609020204030204" pitchFamily="49" charset="0"/>
+                <a:ea typeface="+mn-ea"/>
+                <a:cs typeface="Consolas" panose="020B0609020204030204" pitchFamily="49" charset="0"/>
+              </a:defRPr>
+            </a:lvl5pPr>
+            <a:lvl6pPr marL="2565040" indent="-233186" algn="l" defTabSz="932742" rtl="0" eaLnBrk="1" latinLnBrk="0" hangingPunct="1">
+              <a:spcBef>
+                <a:spcPct val="20000"/>
+              </a:spcBef>
+              <a:buFont typeface="Arial" pitchFamily="34" charset="0"/>
+              <a:buChar char="•"/>
+              <a:defRPr sz="2000" kern="1200">
+                <a:solidFill>
+                  <a:schemeClr val="tx1"/>
+                </a:solidFill>
+                <a:latin typeface="+mn-lt"/>
+                <a:ea typeface="+mn-ea"/>
+                <a:cs typeface="+mn-cs"/>
+              </a:defRPr>
+            </a:lvl6pPr>
+            <a:lvl7pPr marL="3031412" indent="-233186" algn="l" defTabSz="932742" rtl="0" eaLnBrk="1" latinLnBrk="0" hangingPunct="1">
+              <a:spcBef>
+                <a:spcPct val="20000"/>
+              </a:spcBef>
+              <a:buFont typeface="Arial" pitchFamily="34" charset="0"/>
+              <a:buChar char="•"/>
+              <a:defRPr sz="2000" kern="1200">
+                <a:solidFill>
+                  <a:schemeClr val="tx1"/>
+                </a:solidFill>
+                <a:latin typeface="+mn-lt"/>
+                <a:ea typeface="+mn-ea"/>
+                <a:cs typeface="+mn-cs"/>
+              </a:defRPr>
+            </a:lvl7pPr>
+            <a:lvl8pPr marL="3497783" indent="-233186" algn="l" defTabSz="932742" rtl="0" eaLnBrk="1" latinLnBrk="0" hangingPunct="1">
+              <a:spcBef>
+                <a:spcPct val="20000"/>
+              </a:spcBef>
+              <a:buFont typeface="Arial" pitchFamily="34" charset="0"/>
+              <a:buChar char="•"/>
+              <a:defRPr sz="2000" kern="1200">
+                <a:solidFill>
+                  <a:schemeClr val="tx1"/>
+                </a:solidFill>
+                <a:latin typeface="+mn-lt"/>
+                <a:ea typeface="+mn-ea"/>
+                <a:cs typeface="+mn-cs"/>
+              </a:defRPr>
+            </a:lvl8pPr>
+            <a:lvl9pPr marL="3964155" indent="-233186" algn="l" defTabSz="932742" rtl="0" eaLnBrk="1" latinLnBrk="0" hangingPunct="1">
+              <a:spcBef>
+                <a:spcPct val="20000"/>
+              </a:spcBef>
+              <a:buFont typeface="Arial" pitchFamily="34" charset="0"/>
+              <a:buChar char="•"/>
+              <a:defRPr sz="2000" kern="1200">
+                <a:solidFill>
+                  <a:schemeClr val="tx1"/>
+                </a:solidFill>
+                <a:latin typeface="+mn-lt"/>
+                <a:ea typeface="+mn-ea"/>
+                <a:cs typeface="+mn-cs"/>
+              </a:defRPr>
+            </a:lvl9pPr>
+          </a:lstStyle>
+          <a:p>
+            <a:r>
+              <a:rPr lang="pt-BR" dirty="0">
+                <a:solidFill>
+                  <a:schemeClr val="bg1"/>
+                </a:solidFill>
+              </a:rPr>
+              <a:t>Você não é do Brasil</a:t>
+            </a:r>
+            <a:endParaRPr lang="en-CA" dirty="0"/>
+          </a:p>
+          <a:p>
+            <a:endParaRPr lang="en-CA" dirty="0"/>
+          </a:p>
+          <a:p>
+            <a:endParaRPr lang="en-CA" dirty="0"/>
+          </a:p>
+        </p:txBody>
+      </p:sp>
+      <p:sp>
+        <p:nvSpPr>
+          <p:cNvPr id="7" name="Arrow: Right 6">
+            <a:extLst>
+              <a:ext uri="{FF2B5EF4-FFF2-40B4-BE49-F238E27FC236}">
+                <a16:creationId xmlns:a16="http://schemas.microsoft.com/office/drawing/2014/main" id="{1F28E1F2-309D-4245-B032-C29D51B60B62}"/>
+              </a:ext>
+            </a:extLst>
+          </p:cNvPr>
+          <p:cNvSpPr/>
+          <p:nvPr/>
+        </p:nvSpPr>
+        <p:spPr bwMode="auto">
+          <a:xfrm rot="10800000">
+            <a:off x="5532437" y="1876346"/>
+            <a:ext cx="1295400" cy="762000"/>
+          </a:xfrm>
+          <a:prstGeom prst="rightArrow">
+            <a:avLst/>
+          </a:prstGeom>
+          <a:solidFill>
+            <a:srgbClr val="FF0000"/>
+          </a:solidFill>
+          <a:ln>
+            <a:noFill/>
+            <a:headEnd type="none" w="med" len="med"/>
+            <a:tailEnd type="none" w="med" len="med"/>
+          </a:ln>
+          <a:effectLst/>
+        </p:spPr>
+        <p:style>
+          <a:lnRef idx="1">
+            <a:schemeClr val="accent2"/>
+          </a:lnRef>
+          <a:fillRef idx="3">
+            <a:schemeClr val="accent2"/>
+          </a:fillRef>
+          <a:effectRef idx="2">
+            <a:schemeClr val="accent2"/>
+          </a:effectRef>
+          <a:fontRef idx="minor">
+            <a:schemeClr val="lt1"/>
+          </a:fontRef>
+        </p:style>
+        <p:txBody>
+          <a:bodyPr rot="0" spcFirstLastPara="0" vertOverflow="overflow" horzOverflow="overflow" vert="horz" wrap="square" lIns="182880" tIns="146304" rIns="182880" bIns="146304" numCol="1" spcCol="0" rtlCol="0" fromWordArt="0" anchor="t" anchorCtr="0" forceAA="0" compatLnSpc="1">
+            <a:prstTxWarp prst="textNoShape">
+              <a:avLst/>
+            </a:prstTxWarp>
+            <a:noAutofit/>
+          </a:bodyPr>
+          <a:lstStyle/>
+          <a:p>
+            <a:pPr algn="ctr" defTabSz="932472" fontAlgn="base">
+              <a:lnSpc>
+                <a:spcPct val="90000"/>
+              </a:lnSpc>
+              <a:spcBef>
+                <a:spcPct val="0"/>
+              </a:spcBef>
+              <a:spcAft>
+                <a:spcPct val="0"/>
+              </a:spcAft>
+            </a:pPr>
+            <a:endParaRPr lang="en-CA" sz="2400" dirty="0" err="1">
+              <a:gradFill>
+                <a:gsLst>
+                  <a:gs pos="0">
+                    <a:srgbClr val="FFFFFF"/>
+                  </a:gs>
+                  <a:gs pos="100000">
+                    <a:srgbClr val="FFFFFF"/>
+                  </a:gs>
+                </a:gsLst>
+                <a:lin ang="5400000" scaled="0"/>
+              </a:gradFill>
+              <a:ea typeface="Segoe UI" pitchFamily="34" charset="0"/>
+              <a:cs typeface="Segoe UI" pitchFamily="34" charset="0"/>
+            </a:endParaRPr>
+          </a:p>
+        </p:txBody>
+      </p:sp>
+      <p:sp>
+        <p:nvSpPr>
+          <p:cNvPr id="8" name="Rectangle 7">
+            <a:extLst>
+              <a:ext uri="{FF2B5EF4-FFF2-40B4-BE49-F238E27FC236}">
+                <a16:creationId xmlns:a16="http://schemas.microsoft.com/office/drawing/2014/main" id="{224DEDE5-1EBA-41C7-9543-6E19F89CD7EA}"/>
+              </a:ext>
+            </a:extLst>
+          </p:cNvPr>
+          <p:cNvSpPr/>
+          <p:nvPr/>
+        </p:nvSpPr>
+        <p:spPr bwMode="auto">
+          <a:xfrm>
+            <a:off x="7132637" y="1661160"/>
+            <a:ext cx="2743200" cy="1226502"/>
+          </a:xfrm>
+          <a:prstGeom prst="rect">
+            <a:avLst/>
+          </a:prstGeom>
+          <a:noFill/>
+          <a:ln w="38100">
+            <a:solidFill>
+              <a:srgbClr val="FF0000"/>
+            </a:solidFill>
+            <a:headEnd type="none" w="med" len="med"/>
+            <a:tailEnd type="none" w="med" len="med"/>
+          </a:ln>
+          <a:effectLst/>
+        </p:spPr>
+        <p:style>
+          <a:lnRef idx="1">
+            <a:schemeClr val="accent2"/>
+          </a:lnRef>
+          <a:fillRef idx="3">
+            <a:schemeClr val="accent2"/>
+          </a:fillRef>
+          <a:effectRef idx="2">
+            <a:schemeClr val="accent2"/>
+          </a:effectRef>
+          <a:fontRef idx="minor">
+            <a:schemeClr val="lt1"/>
+          </a:fontRef>
+        </p:style>
+        <p:txBody>
+          <a:bodyPr rot="0" spcFirstLastPara="0" vertOverflow="overflow" horzOverflow="overflow" vert="horz" wrap="square" lIns="182880" tIns="146304" rIns="182880" bIns="146304" numCol="1" spcCol="0" rtlCol="0" fromWordArt="0" anchor="t" anchorCtr="0" forceAA="0" compatLnSpc="1">
+            <a:prstTxWarp prst="textNoShape">
+              <a:avLst/>
+            </a:prstTxWarp>
+            <a:noAutofit/>
+          </a:bodyPr>
+          <a:lstStyle/>
+          <a:p>
+            <a:pPr algn="ctr" defTabSz="932472" fontAlgn="base">
+              <a:lnSpc>
+                <a:spcPct val="90000"/>
+              </a:lnSpc>
+              <a:spcBef>
+                <a:spcPct val="0"/>
+              </a:spcBef>
+              <a:spcAft>
+                <a:spcPct val="0"/>
+              </a:spcAft>
+            </a:pPr>
+            <a:r>
+              <a:rPr lang="en-CA" sz="2400" dirty="0">
+                <a:solidFill>
+                  <a:srgbClr val="FF0000"/>
+                </a:solidFill>
+                <a:ea typeface="Segoe UI" pitchFamily="34" charset="0"/>
+                <a:cs typeface="Segoe UI" pitchFamily="34" charset="0"/>
+              </a:rPr>
+              <a:t>As </a:t>
+            </a:r>
+            <a:r>
+              <a:rPr lang="en-CA" sz="2400" dirty="0" err="1">
+                <a:solidFill>
+                  <a:srgbClr val="FF0000"/>
+                </a:solidFill>
+                <a:ea typeface="Segoe UI" pitchFamily="34" charset="0"/>
+                <a:cs typeface="Segoe UI" pitchFamily="34" charset="0"/>
+              </a:rPr>
+              <a:t>comparações</a:t>
+            </a:r>
+            <a:r>
+              <a:rPr lang="en-CA" sz="2400" dirty="0">
+                <a:solidFill>
+                  <a:srgbClr val="FF0000"/>
+                </a:solidFill>
+                <a:ea typeface="Segoe UI" pitchFamily="34" charset="0"/>
+                <a:cs typeface="Segoe UI" pitchFamily="34" charset="0"/>
+              </a:rPr>
+              <a:t> de string </a:t>
+            </a:r>
+            <a:r>
+              <a:rPr lang="en-CA" sz="2400" dirty="0" err="1">
+                <a:solidFill>
+                  <a:srgbClr val="FF0000"/>
+                </a:solidFill>
+                <a:ea typeface="Segoe UI" pitchFamily="34" charset="0"/>
+                <a:cs typeface="Segoe UI" pitchFamily="34" charset="0"/>
+              </a:rPr>
+              <a:t>são</a:t>
+            </a:r>
+            <a:r>
+              <a:rPr lang="en-CA" sz="2400" dirty="0">
+                <a:solidFill>
+                  <a:srgbClr val="FF0000"/>
+                </a:solidFill>
+                <a:ea typeface="Segoe UI" pitchFamily="34" charset="0"/>
+                <a:cs typeface="Segoe UI" pitchFamily="34" charset="0"/>
+              </a:rPr>
+              <a:t> case sensitive</a:t>
+            </a:r>
+          </a:p>
+        </p:txBody>
+      </p:sp>
+    </p:spTree>
+    <p:extLst>
+      <p:ext uri="{BB962C8B-B14F-4D97-AF65-F5344CB8AC3E}">
+        <p14:creationId xmlns:p14="http://schemas.microsoft.com/office/powerpoint/2010/main" val="835771278"/>
+      </p:ext>
+    </p:extLst>
+  </p:cSld>
+  <p:clrMapOvr>
+    <a:masterClrMapping/>
+  </p:clrMapOvr>
+  <mc:AlternateContent xmlns:mc="http://schemas.openxmlformats.org/markup-compatibility/2006" xmlns:p14="http://schemas.microsoft.com/office/powerpoint/2010/main">
+    <mc:Choice Requires="p14">
+      <p:transition p14:dur="10"/>
+    </mc:Choice>
+    <mc:Fallback xmlns="">
+      <p:transition/>
+    </mc:Fallback>
+  </mc:AlternateContent>
+  <p:timing>
+    <p:tnLst>
+      <p:par>
+        <p:cTn id="1" dur="indefinite" restart="never" nodeType="tmRoot">
+          <p:childTnLst>
+            <p:seq concurrent="1" nextAc="seek">
+              <p:cTn id="2" dur="indefinite" nodeType="mainSeq">
+                <p:childTnLst>
+                  <p:par>
+                    <p:cTn id="3" fill="hold">
+                      <p:stCondLst>
+                        <p:cond delay="indefinite"/>
+                      </p:stCondLst>
+                      <p:childTnLst>
+                        <p:par>
+                          <p:cTn id="4" fill="hold">
+                            <p:stCondLst>
+                              <p:cond delay="0"/>
+                            </p:stCondLst>
+                            <p:childTnLst>
+                              <p:par>
+                                <p:cTn id="5" presetID="1" presetClass="entr" presetSubtype="0" fill="hold" grpId="0" nodeType="clickEffect">
+                                  <p:stCondLst>
+                                    <p:cond delay="0"/>
+                                  </p:stCondLst>
+                                  <p:childTnLst>
+                                    <p:set>
+                                      <p:cBhvr>
+                                        <p:cTn id="6" dur="1" fill="hold">
+                                          <p:stCondLst>
+                                            <p:cond delay="0"/>
+                                          </p:stCondLst>
+                                        </p:cTn>
+                                        <p:tgtEl>
+                                          <p:spTgt spid="6"/>
+                                        </p:tgtEl>
+                                        <p:attrNameLst>
+                                          <p:attrName>style.visibility</p:attrName>
+                                        </p:attrNameLst>
+                                      </p:cBhvr>
+                                      <p:to>
+                                        <p:strVal val="visible"/>
+                                      </p:to>
+                                    </p:set>
+                                  </p:childTnLst>
+                                </p:cTn>
+                              </p:par>
+                            </p:childTnLst>
+                          </p:cTn>
+                        </p:par>
+                      </p:childTnLst>
+                    </p:cTn>
+                  </p:par>
+                  <p:par>
+                    <p:cTn id="7" fill="hold">
+                      <p:stCondLst>
+                        <p:cond delay="indefinite"/>
+                      </p:stCondLst>
+                      <p:childTnLst>
+                        <p:par>
+                          <p:cTn id="8" fill="hold">
+                            <p:stCondLst>
+                              <p:cond delay="0"/>
+                            </p:stCondLst>
+                            <p:childTnLst>
+                              <p:par>
+                                <p:cTn id="9" presetID="1" presetClass="entr" presetSubtype="0" fill="hold" grpId="0" nodeType="clickEffect">
+                                  <p:stCondLst>
+                                    <p:cond delay="0"/>
+                                  </p:stCondLst>
+                                  <p:childTnLst>
+                                    <p:set>
+                                      <p:cBhvr>
+                                        <p:cTn id="10" dur="1" fill="hold">
+                                          <p:stCondLst>
+                                            <p:cond delay="0"/>
+                                          </p:stCondLst>
+                                        </p:cTn>
+                                        <p:tgtEl>
+                                          <p:spTgt spid="7"/>
+                                        </p:tgtEl>
+                                        <p:attrNameLst>
+                                          <p:attrName>style.visibility</p:attrName>
+                                        </p:attrNameLst>
+                                      </p:cBhvr>
+                                      <p:to>
+                                        <p:strVal val="visible"/>
+                                      </p:to>
+                                    </p:set>
+                                  </p:childTnLst>
+                                </p:cTn>
+                              </p:par>
+                              <p:par>
+                                <p:cTn id="11" presetID="1" presetClass="entr" presetSubtype="0" fill="hold" grpId="0" nodeType="withEffect">
+                                  <p:stCondLst>
+                                    <p:cond delay="0"/>
+                                  </p:stCondLst>
+                                  <p:childTnLst>
+                                    <p:set>
+                                      <p:cBhvr>
+                                        <p:cTn id="12" dur="1" fill="hold">
+                                          <p:stCondLst>
+                                            <p:cond delay="0"/>
+                                          </p:stCondLst>
+                                        </p:cTn>
+                                        <p:tgtEl>
+                                          <p:spTgt spid="8"/>
+                                        </p:tgtEl>
+                                        <p:attrNameLst>
+                                          <p:attrName>style.visibility</p:attrName>
+                                        </p:attrNameLst>
+                                      </p:cBhvr>
+                                      <p:to>
+                                        <p:strVal val="visible"/>
+                                      </p:to>
+                                    </p:set>
+                                  </p:childTnLst>
+                                </p:cTn>
+                              </p:par>
+                            </p:childTnLst>
+                          </p:cTn>
+                        </p:par>
+                      </p:childTnLst>
+                    </p:cTn>
+                  </p:par>
+                </p:childTnLst>
+              </p:cTn>
+              <p:prevCondLst>
+                <p:cond evt="onPrev" delay="0">
+                  <p:tgtEl>
+                    <p:sldTgt/>
+                  </p:tgtEl>
+                </p:cond>
+              </p:prevCondLst>
+              <p:nextCondLst>
+                <p:cond evt="onNext" delay="0">
+                  <p:tgtEl>
+                    <p:sldTgt/>
+                  </p:tgtEl>
+                </p:cond>
+              </p:nextCondLst>
+            </p:seq>
+          </p:childTnLst>
+        </p:cTn>
+      </p:par>
+    </p:tnLst>
+    <p:bldLst>
+      <p:bldP spid="6" grpId="0" animBg="1"/>
+      <p:bldP spid="7" grpId="0" animBg="1"/>
+      <p:bldP spid="8" grpId="0" animBg="1"/>
+    </p:bldLst>
+  </p:timing>
+</p:sld>
+</file>
+
+<file path=ppt/slides/slide6.xml><?xml version="1.0" encoding="utf-8"?>
+<p:sld xmlns:a="http://schemas.openxmlformats.org/drawingml/2006/main" xmlns:r="http://schemas.openxmlformats.org/officeDocument/2006/relationships" xmlns:p="http://schemas.openxmlformats.org/presentationml/2006/main">
+  <p:cSld>
+    <p:spTree>
+      <p:nvGrpSpPr>
+        <p:cNvPr id="1" name=""/>
+        <p:cNvGrpSpPr/>
+        <p:nvPr/>
+      </p:nvGrpSpPr>
+      <p:grpSpPr>
+        <a:xfrm>
+          <a:off x="0" y="0"/>
+          <a:ext cx="0" cy="0"/>
+          <a:chOff x="0" y="0"/>
+          <a:chExt cx="0" cy="0"/>
+        </a:xfrm>
+      </p:grpSpPr>
+      <p:sp>
+        <p:nvSpPr>
+          <p:cNvPr id="4" name="Title 3"/>
+          <p:cNvSpPr>
+            <a:spLocks noGrp="1"/>
+          </p:cNvSpPr>
+          <p:nvPr>
+            <p:ph type="title"/>
+          </p:nvPr>
+        </p:nvSpPr>
+        <p:spPr/>
+        <p:txBody>
+          <a:bodyPr>
+            <a:normAutofit fontScale="90000"/>
+          </a:bodyPr>
+          <a:lstStyle/>
+          <a:p>
+            <a:r>
+              <a:rPr lang="pt-BR" b="1" dirty="0"/>
+              <a:t>Use funções de cadeia para fazer comparações sem distinção entre maiúsculas e minúsculas</a:t>
+            </a:r>
+            <a:endParaRPr lang="en-US" dirty="0"/>
+          </a:p>
+        </p:txBody>
+      </p:sp>
+      <p:sp>
+        <p:nvSpPr>
+          <p:cNvPr id="5" name="Text Placeholder 4"/>
+          <p:cNvSpPr>
+            <a:spLocks noGrp="1"/>
+          </p:cNvSpPr>
+          <p:nvPr>
+            <p:ph type="body" sz="quarter" idx="10"/>
+          </p:nvPr>
+        </p:nvSpPr>
+        <p:spPr>
+          <a:xfrm>
+            <a:off x="365760" y="1371600"/>
+            <a:ext cx="11704320" cy="3228576"/>
+          </a:xfrm>
+        </p:spPr>
+        <p:txBody>
+          <a:bodyPr/>
+          <a:lstStyle/>
+          <a:p>
+            <a:endParaRPr lang="en-US" dirty="0"/>
+          </a:p>
+          <a:p>
+            <a:r>
+              <a:rPr lang="en-US" dirty="0"/>
+              <a:t>country = </a:t>
+            </a:r>
+            <a:r>
+              <a:rPr lang="en-US" dirty="0">
+                <a:solidFill>
+                  <a:srgbClr val="C00000"/>
+                </a:solidFill>
+              </a:rPr>
+              <a:t>'BRASIL'</a:t>
+            </a:r>
+          </a:p>
+          <a:p>
+            <a:r>
+              <a:rPr lang="en-US" dirty="0"/>
+              <a:t>if </a:t>
+            </a:r>
+            <a:r>
+              <a:rPr lang="en-US" dirty="0" err="1">
+                <a:highlight>
+                  <a:srgbClr val="FFFF00"/>
+                </a:highlight>
+              </a:rPr>
+              <a:t>country.lower</a:t>
+            </a:r>
+            <a:r>
+              <a:rPr lang="en-US" dirty="0">
+                <a:highlight>
+                  <a:srgbClr val="FFFF00"/>
+                </a:highlight>
+              </a:rPr>
+              <a:t>() </a:t>
+            </a:r>
+            <a:r>
+              <a:rPr lang="en-US" dirty="0"/>
+              <a:t>== </a:t>
+            </a:r>
+            <a:r>
+              <a:rPr lang="en-US" dirty="0">
+                <a:solidFill>
+                  <a:srgbClr val="C00000"/>
+                </a:solidFill>
+              </a:rPr>
+              <a:t>'brasil'</a:t>
+            </a:r>
+            <a:r>
+              <a:rPr lang="en-US" dirty="0">
+                <a:solidFill>
+                  <a:srgbClr val="002050"/>
+                </a:solidFill>
+              </a:rPr>
+              <a:t>:</a:t>
+            </a:r>
+          </a:p>
+          <a:p>
+            <a:r>
+              <a:rPr lang="en-US" dirty="0"/>
+              <a:t>    print(</a:t>
+            </a:r>
+            <a:r>
+              <a:rPr lang="en-US" dirty="0">
+                <a:solidFill>
+                  <a:srgbClr val="C00000"/>
+                </a:solidFill>
+              </a:rPr>
+              <a:t>‘Oh, </a:t>
+            </a:r>
+            <a:r>
+              <a:rPr lang="en-US" dirty="0" err="1">
+                <a:solidFill>
+                  <a:srgbClr val="C00000"/>
+                </a:solidFill>
+              </a:rPr>
+              <a:t>uma</a:t>
+            </a:r>
+            <a:r>
+              <a:rPr lang="en-US" dirty="0">
+                <a:solidFill>
+                  <a:srgbClr val="C00000"/>
+                </a:solidFill>
+              </a:rPr>
+              <a:t> </a:t>
+            </a:r>
+            <a:r>
+              <a:rPr lang="en-US" dirty="0" err="1">
+                <a:solidFill>
+                  <a:srgbClr val="C00000"/>
+                </a:solidFill>
+              </a:rPr>
+              <a:t>brasileira</a:t>
+            </a:r>
+            <a:r>
+              <a:rPr lang="en-US" dirty="0">
+                <a:solidFill>
+                  <a:srgbClr val="C00000"/>
+                </a:solidFill>
+              </a:rPr>
+              <a:t>'</a:t>
+            </a:r>
+            <a:r>
+              <a:rPr lang="en-US" dirty="0">
+                <a:solidFill>
+                  <a:srgbClr val="002050"/>
+                </a:solidFill>
+              </a:rPr>
+              <a:t>)</a:t>
+            </a:r>
+          </a:p>
+          <a:p>
+            <a:r>
+              <a:rPr lang="en-US" dirty="0"/>
+              <a:t>else:</a:t>
+            </a:r>
+          </a:p>
+          <a:p>
+            <a:r>
+              <a:rPr lang="en-US" dirty="0"/>
+              <a:t>    print(</a:t>
+            </a:r>
+            <a:r>
+              <a:rPr lang="en-US" dirty="0">
+                <a:solidFill>
+                  <a:srgbClr val="C00000"/>
+                </a:solidFill>
+              </a:rPr>
+              <a:t>'</a:t>
+            </a:r>
+            <a:r>
+              <a:rPr lang="pt-BR" dirty="0">
+                <a:solidFill>
+                  <a:srgbClr val="C00000"/>
+                </a:solidFill>
+              </a:rPr>
+              <a:t>Você não é do Brasil</a:t>
+            </a:r>
+            <a:r>
+              <a:rPr lang="en-US" dirty="0">
+                <a:solidFill>
+                  <a:srgbClr val="C00000"/>
+                </a:solidFill>
+              </a:rPr>
+              <a:t>'</a:t>
             </a:r>
             <a:r>
               <a:rPr lang="en-US" dirty="0">
@@ -42110,796 +43064,31 @@
                   <a:schemeClr val="bg1"/>
                 </a:solidFill>
               </a:rPr>
-              <a:t>You are not from Canada</a:t>
-            </a:r>
-            <a:endParaRPr lang="en-CA" dirty="0"/>
-          </a:p>
-          <a:p>
-            <a:endParaRPr lang="en-CA" dirty="0"/>
-          </a:p>
-          <a:p>
-            <a:endParaRPr lang="en-CA" dirty="0"/>
-          </a:p>
-        </p:txBody>
-      </p:sp>
-      <p:sp>
-        <p:nvSpPr>
-          <p:cNvPr id="7" name="Arrow: Right 6">
-            <a:extLst>
-              <a:ext uri="{FF2B5EF4-FFF2-40B4-BE49-F238E27FC236}">
-                <a16:creationId xmlns:a16="http://schemas.microsoft.com/office/drawing/2014/main" id="{1F28E1F2-309D-4245-B032-C29D51B60B62}"/>
-              </a:ext>
-            </a:extLst>
-          </p:cNvPr>
-          <p:cNvSpPr/>
-          <p:nvPr/>
-        </p:nvSpPr>
-        <p:spPr bwMode="auto">
-          <a:xfrm rot="10800000">
-            <a:off x="5532437" y="1876346"/>
-            <a:ext cx="1295400" cy="762000"/>
-          </a:xfrm>
-          <a:prstGeom prst="rightArrow">
-            <a:avLst/>
-          </a:prstGeom>
-          <a:solidFill>
-            <a:srgbClr val="FF0000"/>
-          </a:solidFill>
-          <a:ln>
-            <a:noFill/>
-            <a:headEnd type="none" w="med" len="med"/>
-            <a:tailEnd type="none" w="med" len="med"/>
-          </a:ln>
-          <a:effectLst/>
-        </p:spPr>
-        <p:style>
-          <a:lnRef idx="1">
-            <a:schemeClr val="accent2"/>
-          </a:lnRef>
-          <a:fillRef idx="3">
-            <a:schemeClr val="accent2"/>
-          </a:fillRef>
-          <a:effectRef idx="2">
-            <a:schemeClr val="accent2"/>
-          </a:effectRef>
-          <a:fontRef idx="minor">
-            <a:schemeClr val="lt1"/>
-          </a:fontRef>
-        </p:style>
-        <p:txBody>
-          <a:bodyPr rot="0" spcFirstLastPara="0" vertOverflow="overflow" horzOverflow="overflow" vert="horz" wrap="square" lIns="182880" tIns="146304" rIns="182880" bIns="146304" numCol="1" spcCol="0" rtlCol="0" fromWordArt="0" anchor="t" anchorCtr="0" forceAA="0" compatLnSpc="1">
-            <a:prstTxWarp prst="textNoShape">
-              <a:avLst/>
-            </a:prstTxWarp>
-            <a:noAutofit/>
-          </a:bodyPr>
-          <a:lstStyle/>
-          <a:p>
-            <a:pPr algn="ctr" defTabSz="932472" fontAlgn="base">
-              <a:lnSpc>
-                <a:spcPct val="90000"/>
-              </a:lnSpc>
-              <a:spcBef>
-                <a:spcPct val="0"/>
-              </a:spcBef>
-              <a:spcAft>
-                <a:spcPct val="0"/>
-              </a:spcAft>
-            </a:pPr>
-            <a:endParaRPr lang="en-CA" sz="2400" dirty="0" err="1">
-              <a:gradFill>
-                <a:gsLst>
-                  <a:gs pos="0">
-                    <a:srgbClr val="FFFFFF"/>
-                  </a:gs>
-                  <a:gs pos="100000">
-                    <a:srgbClr val="FFFFFF"/>
-                  </a:gs>
-                </a:gsLst>
-                <a:lin ang="5400000" scaled="0"/>
-              </a:gradFill>
-              <a:ea typeface="Segoe UI" pitchFamily="34" charset="0"/>
-              <a:cs typeface="Segoe UI" pitchFamily="34" charset="0"/>
-            </a:endParaRPr>
-          </a:p>
-        </p:txBody>
-      </p:sp>
-      <p:sp>
-        <p:nvSpPr>
-          <p:cNvPr id="8" name="Rectangle 7">
-            <a:extLst>
-              <a:ext uri="{FF2B5EF4-FFF2-40B4-BE49-F238E27FC236}">
-                <a16:creationId xmlns:a16="http://schemas.microsoft.com/office/drawing/2014/main" id="{224DEDE5-1EBA-41C7-9543-6E19F89CD7EA}"/>
-              </a:ext>
-            </a:extLst>
-          </p:cNvPr>
-          <p:cNvSpPr/>
-          <p:nvPr/>
-        </p:nvSpPr>
-        <p:spPr bwMode="auto">
-          <a:xfrm>
-            <a:off x="7132637" y="1661160"/>
-            <a:ext cx="2743200" cy="1226502"/>
-          </a:xfrm>
-          <a:prstGeom prst="rect">
-            <a:avLst/>
-          </a:prstGeom>
-          <a:noFill/>
-          <a:ln w="38100">
-            <a:solidFill>
-              <a:srgbClr val="FF0000"/>
-            </a:solidFill>
-            <a:headEnd type="none" w="med" len="med"/>
-            <a:tailEnd type="none" w="med" len="med"/>
-          </a:ln>
-          <a:effectLst/>
-        </p:spPr>
-        <p:style>
-          <a:lnRef idx="1">
-            <a:schemeClr val="accent2"/>
-          </a:lnRef>
-          <a:fillRef idx="3">
-            <a:schemeClr val="accent2"/>
-          </a:fillRef>
-          <a:effectRef idx="2">
-            <a:schemeClr val="accent2"/>
-          </a:effectRef>
-          <a:fontRef idx="minor">
-            <a:schemeClr val="lt1"/>
-          </a:fontRef>
-        </p:style>
-        <p:txBody>
-          <a:bodyPr rot="0" spcFirstLastPara="0" vertOverflow="overflow" horzOverflow="overflow" vert="horz" wrap="square" lIns="182880" tIns="146304" rIns="182880" bIns="146304" numCol="1" spcCol="0" rtlCol="0" fromWordArt="0" anchor="t" anchorCtr="0" forceAA="0" compatLnSpc="1">
-            <a:prstTxWarp prst="textNoShape">
-              <a:avLst/>
-            </a:prstTxWarp>
-            <a:noAutofit/>
-          </a:bodyPr>
-          <a:lstStyle/>
-          <a:p>
-            <a:pPr algn="ctr" defTabSz="932472" fontAlgn="base">
-              <a:lnSpc>
-                <a:spcPct val="90000"/>
-              </a:lnSpc>
-              <a:spcBef>
-                <a:spcPct val="0"/>
-              </a:spcBef>
-              <a:spcAft>
-                <a:spcPct val="0"/>
-              </a:spcAft>
-            </a:pPr>
-            <a:r>
-              <a:rPr lang="en-CA" sz="2400" dirty="0">
-                <a:solidFill>
-                  <a:srgbClr val="FF0000"/>
-                </a:solidFill>
-                <a:ea typeface="Segoe UI" pitchFamily="34" charset="0"/>
-                <a:cs typeface="Segoe UI" pitchFamily="34" charset="0"/>
-              </a:rPr>
-              <a:t>String comparisons are case sensitive</a:t>
-            </a:r>
-          </a:p>
-        </p:txBody>
-      </p:sp>
-    </p:spTree>
-    <p:extLst>
-      <p:ext uri="{BB962C8B-B14F-4D97-AF65-F5344CB8AC3E}">
-        <p14:creationId xmlns:p14="http://schemas.microsoft.com/office/powerpoint/2010/main" val="835771278"/>
-      </p:ext>
-    </p:extLst>
-  </p:cSld>
-  <p:clrMapOvr>
-    <a:masterClrMapping/>
-  </p:clrMapOvr>
-  <mc:AlternateContent xmlns:mc="http://schemas.openxmlformats.org/markup-compatibility/2006" xmlns:p14="http://schemas.microsoft.com/office/powerpoint/2010/main">
-    <mc:Choice Requires="p14">
-      <p:transition p14:dur="10"/>
-    </mc:Choice>
-    <mc:Fallback xmlns="">
-      <p:transition/>
-    </mc:Fallback>
-  </mc:AlternateContent>
-  <p:timing>
-    <p:tnLst>
-      <p:par>
-        <p:cTn id="1" dur="indefinite" restart="never" nodeType="tmRoot">
-          <p:childTnLst>
-            <p:seq concurrent="1" nextAc="seek">
-              <p:cTn id="2" dur="indefinite" nodeType="mainSeq">
-                <p:childTnLst>
-                  <p:par>
-                    <p:cTn id="3" fill="hold">
-                      <p:stCondLst>
-                        <p:cond delay="indefinite"/>
-                      </p:stCondLst>
-                      <p:childTnLst>
-                        <p:par>
-                          <p:cTn id="4" fill="hold">
-                            <p:stCondLst>
-                              <p:cond delay="0"/>
-                            </p:stCondLst>
-                            <p:childTnLst>
-                              <p:par>
-                                <p:cTn id="5" presetID="1" presetClass="entr" presetSubtype="0" fill="hold" grpId="0" nodeType="clickEffect">
-                                  <p:stCondLst>
-                                    <p:cond delay="0"/>
-                                  </p:stCondLst>
-                                  <p:childTnLst>
-                                    <p:set>
-                                      <p:cBhvr>
-                                        <p:cTn id="6" dur="1" fill="hold">
-                                          <p:stCondLst>
-                                            <p:cond delay="0"/>
-                                          </p:stCondLst>
-                                        </p:cTn>
-                                        <p:tgtEl>
-                                          <p:spTgt spid="6"/>
-                                        </p:tgtEl>
-                                        <p:attrNameLst>
-                                          <p:attrName>style.visibility</p:attrName>
-                                        </p:attrNameLst>
-                                      </p:cBhvr>
-                                      <p:to>
-                                        <p:strVal val="visible"/>
-                                      </p:to>
-                                    </p:set>
-                                  </p:childTnLst>
-                                </p:cTn>
-                              </p:par>
-                            </p:childTnLst>
-                          </p:cTn>
-                        </p:par>
-                      </p:childTnLst>
-                    </p:cTn>
-                  </p:par>
-                  <p:par>
-                    <p:cTn id="7" fill="hold">
-                      <p:stCondLst>
-                        <p:cond delay="indefinite"/>
-                      </p:stCondLst>
-                      <p:childTnLst>
-                        <p:par>
-                          <p:cTn id="8" fill="hold">
-                            <p:stCondLst>
-                              <p:cond delay="0"/>
-                            </p:stCondLst>
-                            <p:childTnLst>
-                              <p:par>
-                                <p:cTn id="9" presetID="1" presetClass="entr" presetSubtype="0" fill="hold" grpId="0" nodeType="clickEffect">
-                                  <p:stCondLst>
-                                    <p:cond delay="0"/>
-                                  </p:stCondLst>
-                                  <p:childTnLst>
-                                    <p:set>
-                                      <p:cBhvr>
-                                        <p:cTn id="10" dur="1" fill="hold">
-                                          <p:stCondLst>
-                                            <p:cond delay="0"/>
-                                          </p:stCondLst>
-                                        </p:cTn>
-                                        <p:tgtEl>
-                                          <p:spTgt spid="7"/>
-                                        </p:tgtEl>
-                                        <p:attrNameLst>
-                                          <p:attrName>style.visibility</p:attrName>
-                                        </p:attrNameLst>
-                                      </p:cBhvr>
-                                      <p:to>
-                                        <p:strVal val="visible"/>
-                                      </p:to>
-                                    </p:set>
-                                  </p:childTnLst>
-                                </p:cTn>
-                              </p:par>
-                              <p:par>
-                                <p:cTn id="11" presetID="1" presetClass="entr" presetSubtype="0" fill="hold" grpId="0" nodeType="withEffect">
-                                  <p:stCondLst>
-                                    <p:cond delay="0"/>
-                                  </p:stCondLst>
-                                  <p:childTnLst>
-                                    <p:set>
-                                      <p:cBhvr>
-                                        <p:cTn id="12" dur="1" fill="hold">
-                                          <p:stCondLst>
-                                            <p:cond delay="0"/>
-                                          </p:stCondLst>
-                                        </p:cTn>
-                                        <p:tgtEl>
-                                          <p:spTgt spid="8"/>
-                                        </p:tgtEl>
-                                        <p:attrNameLst>
-                                          <p:attrName>style.visibility</p:attrName>
-                                        </p:attrNameLst>
-                                      </p:cBhvr>
-                                      <p:to>
-                                        <p:strVal val="visible"/>
-                                      </p:to>
-                                    </p:set>
-                                  </p:childTnLst>
-                                </p:cTn>
-                              </p:par>
-                            </p:childTnLst>
-                          </p:cTn>
-                        </p:par>
-                      </p:childTnLst>
-                    </p:cTn>
-                  </p:par>
-                </p:childTnLst>
-              </p:cTn>
-              <p:prevCondLst>
-                <p:cond evt="onPrev" delay="0">
-                  <p:tgtEl>
-                    <p:sldTgt/>
-                  </p:tgtEl>
-                </p:cond>
-              </p:prevCondLst>
-              <p:nextCondLst>
-                <p:cond evt="onNext" delay="0">
-                  <p:tgtEl>
-                    <p:sldTgt/>
-                  </p:tgtEl>
-                </p:cond>
-              </p:nextCondLst>
-            </p:seq>
-          </p:childTnLst>
-        </p:cTn>
-      </p:par>
-    </p:tnLst>
-    <p:bldLst>
-      <p:bldP spid="6" grpId="0" animBg="1"/>
-      <p:bldP spid="7" grpId="0" animBg="1"/>
-      <p:bldP spid="8" grpId="0" animBg="1"/>
-    </p:bldLst>
-  </p:timing>
-</p:sld>
-</file>
-
-<file path=ppt/slides/slide6.xml><?xml version="1.0" encoding="utf-8"?>
-<p:sld xmlns:a="http://schemas.openxmlformats.org/drawingml/2006/main" xmlns:r="http://schemas.openxmlformats.org/officeDocument/2006/relationships" xmlns:p="http://schemas.openxmlformats.org/presentationml/2006/main">
-  <p:cSld>
-    <p:spTree>
-      <p:nvGrpSpPr>
-        <p:cNvPr id="1" name=""/>
-        <p:cNvGrpSpPr/>
-        <p:nvPr/>
-      </p:nvGrpSpPr>
-      <p:grpSpPr>
-        <a:xfrm>
-          <a:off x="0" y="0"/>
-          <a:ext cx="0" cy="0"/>
-          <a:chOff x="0" y="0"/>
-          <a:chExt cx="0" cy="0"/>
-        </a:xfrm>
-      </p:grpSpPr>
-      <p:sp>
-        <p:nvSpPr>
-          <p:cNvPr id="4" name="Title 3"/>
-          <p:cNvSpPr>
-            <a:spLocks noGrp="1"/>
-          </p:cNvSpPr>
-          <p:nvPr>
-            <p:ph type="title"/>
-          </p:nvPr>
-        </p:nvSpPr>
-        <p:spPr/>
-        <p:txBody>
-          <a:bodyPr/>
-          <a:lstStyle/>
-          <a:p>
-            <a:r>
-              <a:rPr lang="en-US" b="1" dirty="0"/>
-              <a:t>Use string functions to make case insensitive comparisons</a:t>
-            </a:r>
-            <a:endParaRPr lang="en-US" dirty="0"/>
-          </a:p>
-        </p:txBody>
-      </p:sp>
-      <p:sp>
-        <p:nvSpPr>
-          <p:cNvPr id="5" name="Text Placeholder 4"/>
-          <p:cNvSpPr>
-            <a:spLocks noGrp="1"/>
-          </p:cNvSpPr>
-          <p:nvPr>
-            <p:ph type="body" sz="quarter" idx="10"/>
-          </p:nvPr>
-        </p:nvSpPr>
-        <p:spPr>
-          <a:xfrm>
-            <a:off x="365760" y="1371600"/>
-            <a:ext cx="11704320" cy="3228576"/>
-          </a:xfrm>
-        </p:spPr>
-        <p:txBody>
-          <a:bodyPr/>
-          <a:lstStyle/>
-          <a:p>
-            <a:endParaRPr lang="en-US" dirty="0"/>
-          </a:p>
-          <a:p>
-            <a:r>
-              <a:rPr lang="en-US" dirty="0"/>
-              <a:t>country = </a:t>
+              <a:t>Oh, </a:t>
             </a:r>
             <a:r>
-              <a:rPr lang="en-US" dirty="0">
+              <a:rPr lang="en-CA" dirty="0" err="1">
                 <a:solidFill>
-                  <a:srgbClr val="C00000"/>
+                  <a:schemeClr val="bg1"/>
                 </a:solidFill>
               </a:rPr>
-              <a:t>'CANADA'</a:t>
+              <a:t>uma</a:t>
             </a:r>
-          </a:p>
-          <a:p>
-            <a:r>
-              <a:rPr lang="en-US" dirty="0"/>
-              <a:t>if </a:t>
-            </a:r>
-            <a:r>
-              <a:rPr lang="en-US" dirty="0" err="1">
-                <a:highlight>
-                  <a:srgbClr val="FFFF00"/>
-                </a:highlight>
-              </a:rPr>
-              <a:t>country.lower</a:t>
-            </a:r>
-            <a:r>
-              <a:rPr lang="en-US" dirty="0">
-                <a:highlight>
-                  <a:srgbClr val="FFFF00"/>
-                </a:highlight>
-              </a:rPr>
-              <a:t>() </a:t>
-            </a:r>
-            <a:r>
-              <a:rPr lang="en-US" dirty="0"/>
-              <a:t>== </a:t>
-            </a:r>
-            <a:r>
-              <a:rPr lang="en-US" dirty="0">
-                <a:solidFill>
-                  <a:srgbClr val="C00000"/>
-                </a:solidFill>
-              </a:rPr>
-              <a:t>'</a:t>
-            </a:r>
-            <a:r>
-              <a:rPr lang="en-US" dirty="0" err="1">
-                <a:solidFill>
-                  <a:srgbClr val="C00000"/>
-                </a:solidFill>
-              </a:rPr>
-              <a:t>canada</a:t>
-            </a:r>
-            <a:r>
-              <a:rPr lang="en-US" dirty="0">
-                <a:solidFill>
-                  <a:srgbClr val="C00000"/>
-                </a:solidFill>
-              </a:rPr>
-              <a:t>'</a:t>
-            </a:r>
-            <a:r>
-              <a:rPr lang="en-US" dirty="0">
-                <a:solidFill>
-                  <a:srgbClr val="002050"/>
-                </a:solidFill>
-              </a:rPr>
-              <a:t>:</a:t>
-            </a:r>
-          </a:p>
-          <a:p>
-            <a:r>
-              <a:rPr lang="en-US" dirty="0"/>
-              <a:t>    print(</a:t>
-            </a:r>
-            <a:r>
-              <a:rPr lang="en-US" dirty="0">
-                <a:solidFill>
-                  <a:srgbClr val="C00000"/>
-                </a:solidFill>
-              </a:rPr>
-              <a:t>'Oh look a Canadian'</a:t>
-            </a:r>
-            <a:r>
-              <a:rPr lang="en-US" dirty="0">
-                <a:solidFill>
-                  <a:srgbClr val="002050"/>
-                </a:solidFill>
-              </a:rPr>
-              <a:t>)</a:t>
-            </a:r>
-          </a:p>
-          <a:p>
-            <a:r>
-              <a:rPr lang="en-US" dirty="0"/>
-              <a:t>else:</a:t>
-            </a:r>
-          </a:p>
-          <a:p>
-            <a:r>
-              <a:rPr lang="en-US" dirty="0"/>
-              <a:t>    print(</a:t>
-            </a:r>
-            <a:r>
-              <a:rPr lang="en-US" dirty="0">
-                <a:solidFill>
-                  <a:srgbClr val="C00000"/>
-                </a:solidFill>
-              </a:rPr>
-              <a:t>'You are not from Canada'</a:t>
-            </a:r>
-            <a:r>
-              <a:rPr lang="en-US" dirty="0">
-                <a:solidFill>
-                  <a:srgbClr val="002050"/>
-                </a:solidFill>
-              </a:rPr>
-              <a:t>)</a:t>
-            </a:r>
-          </a:p>
-        </p:txBody>
-      </p:sp>
-      <p:sp>
-        <p:nvSpPr>
-          <p:cNvPr id="6" name="Text Placeholder 4">
-            <a:extLst>
-              <a:ext uri="{FF2B5EF4-FFF2-40B4-BE49-F238E27FC236}">
-                <a16:creationId xmlns:a16="http://schemas.microsoft.com/office/drawing/2014/main" id="{4F4D9F13-C119-40D2-9B3B-8DCD9D0EA709}"/>
-              </a:ext>
-            </a:extLst>
-          </p:cNvPr>
-          <p:cNvSpPr txBox="1">
-            <a:spLocks/>
-          </p:cNvSpPr>
-          <p:nvPr/>
-        </p:nvSpPr>
-        <p:spPr>
-          <a:xfrm>
-            <a:off x="365760" y="5029513"/>
-            <a:ext cx="11704320" cy="1668149"/>
-          </a:xfrm>
-          <a:prstGeom prst="rect">
-            <a:avLst/>
-          </a:prstGeom>
-          <a:solidFill>
-            <a:schemeClr val="tx1"/>
-          </a:solidFill>
-        </p:spPr>
-        <p:txBody>
-          <a:bodyPr vert="horz" wrap="square" lIns="91440" tIns="91440" rIns="91440" bIns="91440" rtlCol="0">
-            <a:spAutoFit/>
-          </a:bodyPr>
-          <a:lstStyle>
-            <a:lvl1pPr marL="0" marR="0" indent="0" algn="l" defTabSz="932742" rtl="0" eaLnBrk="1" fontAlgn="auto" latinLnBrk="0" hangingPunct="1">
-              <a:lnSpc>
-                <a:spcPct val="90000"/>
-              </a:lnSpc>
-              <a:spcBef>
-                <a:spcPts val="600"/>
-              </a:spcBef>
-              <a:spcAft>
-                <a:spcPts val="0"/>
-              </a:spcAft>
-              <a:buClrTx/>
-              <a:buSzPct val="90000"/>
-              <a:buFont typeface="Arial" pitchFamily="34" charset="0"/>
-              <a:buNone/>
-              <a:tabLst/>
-              <a:defRPr sz="3200" kern="1200" spc="0" baseline="0">
-                <a:gradFill>
-                  <a:gsLst>
-                    <a:gs pos="1250">
-                      <a:srgbClr val="000000"/>
-                    </a:gs>
-                    <a:gs pos="100000">
-                      <a:srgbClr val="000000"/>
-                    </a:gs>
-                  </a:gsLst>
-                  <a:lin ang="5400000" scaled="0"/>
-                </a:gradFill>
-                <a:latin typeface="Consolas" panose="020B0609020204030204" pitchFamily="49" charset="0"/>
-                <a:ea typeface="+mn-ea"/>
-                <a:cs typeface="Consolas" panose="020B0609020204030204" pitchFamily="49" charset="0"/>
-              </a:defRPr>
-            </a:lvl1pPr>
-            <a:lvl2pPr marL="228600" marR="0" indent="0" algn="l" defTabSz="932742" rtl="0" eaLnBrk="1" fontAlgn="auto" latinLnBrk="0" hangingPunct="1">
-              <a:lnSpc>
-                <a:spcPct val="90000"/>
-              </a:lnSpc>
-              <a:spcBef>
-                <a:spcPts val="600"/>
-              </a:spcBef>
-              <a:spcAft>
-                <a:spcPts val="0"/>
-              </a:spcAft>
-              <a:buClrTx/>
-              <a:buSzPct val="90000"/>
-              <a:buFont typeface="Arial" pitchFamily="34" charset="0"/>
-              <a:buNone/>
-              <a:tabLst/>
-              <a:defRPr sz="2000" kern="1200" spc="0" baseline="0">
-                <a:gradFill>
-                  <a:gsLst>
-                    <a:gs pos="1250">
-                      <a:srgbClr val="000000"/>
-                    </a:gs>
-                    <a:gs pos="100000">
-                      <a:srgbClr val="000000"/>
-                    </a:gs>
-                  </a:gsLst>
-                  <a:lin ang="5400000" scaled="0"/>
-                </a:gradFill>
-                <a:latin typeface="Consolas" panose="020B0609020204030204" pitchFamily="49" charset="0"/>
-                <a:ea typeface="+mn-ea"/>
-                <a:cs typeface="Consolas" panose="020B0609020204030204" pitchFamily="49" charset="0"/>
-              </a:defRPr>
-            </a:lvl2pPr>
-            <a:lvl3pPr marL="457200" marR="0" indent="0" algn="l" defTabSz="932742" rtl="0" eaLnBrk="1" fontAlgn="auto" latinLnBrk="0" hangingPunct="1">
-              <a:lnSpc>
-                <a:spcPct val="90000"/>
-              </a:lnSpc>
-              <a:spcBef>
-                <a:spcPts val="600"/>
-              </a:spcBef>
-              <a:spcAft>
-                <a:spcPts val="0"/>
-              </a:spcAft>
-              <a:buClrTx/>
-              <a:buSzPct val="90000"/>
-              <a:buFont typeface="Arial" pitchFamily="34" charset="0"/>
-              <a:buNone/>
-              <a:tabLst/>
-              <a:defRPr sz="2000" kern="1200" spc="0" baseline="0">
-                <a:gradFill>
-                  <a:gsLst>
-                    <a:gs pos="1250">
-                      <a:srgbClr val="000000"/>
-                    </a:gs>
-                    <a:gs pos="100000">
-                      <a:srgbClr val="000000"/>
-                    </a:gs>
-                  </a:gsLst>
-                  <a:lin ang="5400000" scaled="0"/>
-                </a:gradFill>
-                <a:latin typeface="Consolas" panose="020B0609020204030204" pitchFamily="49" charset="0"/>
-                <a:ea typeface="+mn-ea"/>
-                <a:cs typeface="Consolas" panose="020B0609020204030204" pitchFamily="49" charset="0"/>
-              </a:defRPr>
-            </a:lvl3pPr>
-            <a:lvl4pPr marL="685800" marR="0" indent="0" algn="l" defTabSz="932742" rtl="0" eaLnBrk="1" fontAlgn="auto" latinLnBrk="0" hangingPunct="1">
-              <a:lnSpc>
-                <a:spcPct val="90000"/>
-              </a:lnSpc>
-              <a:spcBef>
-                <a:spcPts val="600"/>
-              </a:spcBef>
-              <a:spcAft>
-                <a:spcPts val="0"/>
-              </a:spcAft>
-              <a:buClrTx/>
-              <a:buSzPct val="90000"/>
-              <a:buFont typeface="Arial" pitchFamily="34" charset="0"/>
-              <a:buNone/>
-              <a:tabLst/>
-              <a:defRPr sz="2000" kern="1200" spc="0" baseline="0">
-                <a:gradFill>
-                  <a:gsLst>
-                    <a:gs pos="1250">
-                      <a:srgbClr val="000000"/>
-                    </a:gs>
-                    <a:gs pos="100000">
-                      <a:srgbClr val="000000"/>
-                    </a:gs>
-                  </a:gsLst>
-                  <a:lin ang="5400000" scaled="0"/>
-                </a:gradFill>
-                <a:latin typeface="Consolas" panose="020B0609020204030204" pitchFamily="49" charset="0"/>
-                <a:ea typeface="+mn-ea"/>
-                <a:cs typeface="Consolas" panose="020B0609020204030204" pitchFamily="49" charset="0"/>
-              </a:defRPr>
-            </a:lvl4pPr>
-            <a:lvl5pPr marL="914400" marR="0" indent="0" algn="l" defTabSz="932742" rtl="0" eaLnBrk="1" fontAlgn="auto" latinLnBrk="0" hangingPunct="1">
-              <a:lnSpc>
-                <a:spcPct val="90000"/>
-              </a:lnSpc>
-              <a:spcBef>
-                <a:spcPts val="600"/>
-              </a:spcBef>
-              <a:spcAft>
-                <a:spcPts val="0"/>
-              </a:spcAft>
-              <a:buClrTx/>
-              <a:buSzPct val="90000"/>
-              <a:buFont typeface="Arial" pitchFamily="34" charset="0"/>
-              <a:buNone/>
-              <a:tabLst/>
-              <a:defRPr sz="2000" kern="1200" spc="0" baseline="0">
-                <a:gradFill>
-                  <a:gsLst>
-                    <a:gs pos="1250">
-                      <a:srgbClr val="000000"/>
-                    </a:gs>
-                    <a:gs pos="100000">
-                      <a:srgbClr val="000000"/>
-                    </a:gs>
-                  </a:gsLst>
-                  <a:lin ang="5400000" scaled="0"/>
-                </a:gradFill>
-                <a:latin typeface="Consolas" panose="020B0609020204030204" pitchFamily="49" charset="0"/>
-                <a:ea typeface="+mn-ea"/>
-                <a:cs typeface="Consolas" panose="020B0609020204030204" pitchFamily="49" charset="0"/>
-              </a:defRPr>
-            </a:lvl5pPr>
-            <a:lvl6pPr marL="2565040" indent="-233186" algn="l" defTabSz="932742" rtl="0" eaLnBrk="1" latinLnBrk="0" hangingPunct="1">
-              <a:spcBef>
-                <a:spcPct val="20000"/>
-              </a:spcBef>
-              <a:buFont typeface="Arial" pitchFamily="34" charset="0"/>
-              <a:buChar char="•"/>
-              <a:defRPr sz="2000" kern="1200">
-                <a:solidFill>
-                  <a:schemeClr val="tx1"/>
-                </a:solidFill>
-                <a:latin typeface="+mn-lt"/>
-                <a:ea typeface="+mn-ea"/>
-                <a:cs typeface="+mn-cs"/>
-              </a:defRPr>
-            </a:lvl6pPr>
-            <a:lvl7pPr marL="3031412" indent="-233186" algn="l" defTabSz="932742" rtl="0" eaLnBrk="1" latinLnBrk="0" hangingPunct="1">
-              <a:spcBef>
-                <a:spcPct val="20000"/>
-              </a:spcBef>
-              <a:buFont typeface="Arial" pitchFamily="34" charset="0"/>
-              <a:buChar char="•"/>
-              <a:defRPr sz="2000" kern="1200">
-                <a:solidFill>
-                  <a:schemeClr val="tx1"/>
-                </a:solidFill>
-                <a:latin typeface="+mn-lt"/>
-                <a:ea typeface="+mn-ea"/>
-                <a:cs typeface="+mn-cs"/>
-              </a:defRPr>
-            </a:lvl7pPr>
-            <a:lvl8pPr marL="3497783" indent="-233186" algn="l" defTabSz="932742" rtl="0" eaLnBrk="1" latinLnBrk="0" hangingPunct="1">
-              <a:spcBef>
-                <a:spcPct val="20000"/>
-              </a:spcBef>
-              <a:buFont typeface="Arial" pitchFamily="34" charset="0"/>
-              <a:buChar char="•"/>
-              <a:defRPr sz="2000" kern="1200">
-                <a:solidFill>
-                  <a:schemeClr val="tx1"/>
-                </a:solidFill>
-                <a:latin typeface="+mn-lt"/>
-                <a:ea typeface="+mn-ea"/>
-                <a:cs typeface="+mn-cs"/>
-              </a:defRPr>
-            </a:lvl8pPr>
-            <a:lvl9pPr marL="3964155" indent="-233186" algn="l" defTabSz="932742" rtl="0" eaLnBrk="1" latinLnBrk="0" hangingPunct="1">
-              <a:spcBef>
-                <a:spcPct val="20000"/>
-              </a:spcBef>
-              <a:buFont typeface="Arial" pitchFamily="34" charset="0"/>
-              <a:buChar char="•"/>
-              <a:defRPr sz="2000" kern="1200">
-                <a:solidFill>
-                  <a:schemeClr val="tx1"/>
-                </a:solidFill>
-                <a:latin typeface="+mn-lt"/>
-                <a:ea typeface="+mn-ea"/>
-                <a:cs typeface="+mn-cs"/>
-              </a:defRPr>
-            </a:lvl9pPr>
-          </a:lstStyle>
-          <a:p>
             <a:r>
               <a:rPr lang="en-CA" dirty="0">
                 <a:solidFill>
                   <a:schemeClr val="bg1"/>
                 </a:solidFill>
               </a:rPr>
-              <a:t>Oh look a Canadian</a:t>
+              <a:t> </a:t>
+            </a:r>
+            <a:r>
+              <a:rPr lang="en-CA" dirty="0" err="1">
+                <a:solidFill>
+                  <a:schemeClr val="bg1"/>
+                </a:solidFill>
+              </a:rPr>
+              <a:t>brasileira</a:t>
             </a:r>
             <a:endParaRPr lang="en-CA" dirty="0"/>
           </a:p>
@@ -43039,12 +43228,14 @@
         </p:nvSpPr>
         <p:spPr/>
         <p:txBody>
-          <a:bodyPr/>
+          <a:bodyPr>
+            <a:normAutofit fontScale="90000"/>
+          </a:bodyPr>
           <a:lstStyle/>
           <a:p>
             <a:r>
-              <a:rPr lang="en-US" b="1" dirty="0"/>
-              <a:t>Conditions allow our code to react to different situations</a:t>
+              <a:rPr lang="pt-BR" b="1" dirty="0"/>
+              <a:t>As condições permitem que nosso código reaja a diferentes situações</a:t>
             </a:r>
             <a:endParaRPr lang="en-US" dirty="0"/>
           </a:p>
@@ -43063,7 +43254,7 @@
         <p:spPr>
           <a:xfrm>
             <a:off x="365760" y="1897062"/>
-            <a:ext cx="11704320" cy="2188291"/>
+            <a:ext cx="11704320" cy="2631490"/>
           </a:xfrm>
           <a:ln>
             <a:noFill/>
@@ -43076,46 +43267,43 @@
           <a:lstStyle/>
           <a:p>
             <a:r>
-              <a:rPr lang="en-US">
+              <a:rPr lang="pt-BR" dirty="0">
                 <a:latin typeface="Segoe UI Light" panose="020B0502040204020203" pitchFamily="34" charset="0"/>
                 <a:cs typeface="Segoe UI Light" panose="020B0502040204020203" pitchFamily="34" charset="0"/>
               </a:rPr>
-              <a:t>Apply </a:t>
-            </a:r>
-            <a:r>
-              <a:rPr lang="en-US" dirty="0">
-                <a:latin typeface="Segoe UI Light" panose="020B0502040204020203" pitchFamily="34" charset="0"/>
-                <a:cs typeface="Segoe UI Light" panose="020B0502040204020203" pitchFamily="34" charset="0"/>
-              </a:rPr>
-              <a:t>appropriate state or federal taxes based on location</a:t>
+              <a:t>Aplique impostos estaduais ou federais apropriados com base na localização</a:t>
             </a:r>
           </a:p>
           <a:p>
             <a:r>
-              <a:rPr lang="en-US" dirty="0">
+              <a:rPr lang="pt-BR" dirty="0">
                 <a:latin typeface="Segoe UI Light" panose="020B0502040204020203" pitchFamily="34" charset="0"/>
                 <a:cs typeface="Segoe UI Light" panose="020B0502040204020203" pitchFamily="34" charset="0"/>
               </a:rPr>
-              <a:t>Calculate salary based on job level</a:t>
+              <a:t>Calcular salário com base no nível do trabalho</a:t>
             </a:r>
           </a:p>
           <a:p>
             <a:r>
-              <a:rPr lang="en-US" dirty="0">
+              <a:rPr lang="pt-BR" dirty="0">
                 <a:latin typeface="Segoe UI Light" panose="020B0502040204020203" pitchFamily="34" charset="0"/>
                 <a:cs typeface="Segoe UI Light" panose="020B0502040204020203" pitchFamily="34" charset="0"/>
               </a:rPr>
-              <a:t>What to do if a file is not found</a:t>
+              <a:t>O que fazer se um arquivo não for encontrado</a:t>
             </a:r>
           </a:p>
           <a:p>
             <a:r>
-              <a:rPr lang="en-US" dirty="0">
+              <a:rPr lang="pt-BR" dirty="0">
                 <a:latin typeface="Segoe UI Light" panose="020B0502040204020203" pitchFamily="34" charset="0"/>
                 <a:cs typeface="Segoe UI Light" panose="020B0502040204020203" pitchFamily="34" charset="0"/>
               </a:rPr>
-              <a:t>What to do if an expected value is missing</a:t>
+              <a:t>O que fazer se um valor esperado estiver ausente</a:t>
             </a:r>
+            <a:endParaRPr lang="en-US" dirty="0">
+              <a:latin typeface="Segoe UI Light" panose="020B0502040204020203" pitchFamily="34" charset="0"/>
+              <a:cs typeface="Segoe UI Light" panose="020B0502040204020203" pitchFamily="34" charset="0"/>
+            </a:endParaRPr>
           </a:p>
         </p:txBody>
       </p:sp>
@@ -44282,13 +44470,13 @@
 
 <file path=customXml/item1.xml><?xml version="1.0" encoding="utf-8"?>
 <Control xmlns="http://schemas.microsoft.com/VisualStudio/2011/storyboarding/control">
-  <Id Name="369f9055-6b6c-48b9-9320-5df2d46c430a" Revision="1" Stencil="7276b9ef-3953-4dce-a89b-ed85f20b8b93" StencilVersion="1.0"/>
+  <Id Name="a53d73d2-368b-429e-b817-1324eec1382c" Revision="1" Stencil="7276b9ef-3953-4dce-a89b-ed85f20b8b93" StencilVersion="1.0"/>
 </Control>
 </file>
 
 <file path=customXml/item10.xml><?xml version="1.0" encoding="utf-8"?>
 <Control xmlns="http://schemas.microsoft.com/VisualStudio/2011/storyboarding/control">
-  <Id Name="a53d73d2-368b-429e-b817-1324eec1382c" Revision="1" Stencil="7276b9ef-3953-4dce-a89b-ed85f20b8b93" StencilVersion="1.0"/>
+  <Id Name="d69996e1-3d61-4686-9b63-f1b855c596ab" Revision="1" Stencil="7276b9ef-3953-4dce-a89b-ed85f20b8b93" StencilVersion="1.0"/>
 </Control>
 </file>
 
@@ -44299,30 +44487,6 @@
 </file>
 
 <file path=customXml/item12.xml><?xml version="1.0" encoding="utf-8"?>
-<Control xmlns="http://schemas.microsoft.com/VisualStudio/2011/storyboarding/control">
-  <Id Name="369f9055-6b6c-48b9-9320-5df2d46c430a" Revision="1" Stencil="7276b9ef-3953-4dce-a89b-ed85f20b8b93" StencilVersion="1.0"/>
-</Control>
-</file>
-
-<file path=customXml/item13.xml><?xml version="1.0" encoding="utf-8"?>
-<Control xmlns="http://schemas.microsoft.com/VisualStudio/2011/storyboarding/control">
-  <Id Name="a2191c86-fc50-4add-948c-129f6b5a88d8" Revision="1" Stencil="7276b9ef-3953-4dce-a89b-ed85f20b8b93" StencilVersion="1.0"/>
-</Control>
-</file>
-
-<file path=customXml/item14.xml><?xml version="1.0" encoding="utf-8"?>
-<Control xmlns="http://schemas.microsoft.com/VisualStudio/2011/storyboarding/control">
-  <Id Name="a2191c86-fc50-4add-948c-129f6b5a88d8" Revision="1" Stencil="7276b9ef-3953-4dce-a89b-ed85f20b8b93" StencilVersion="1.0"/>
-</Control>
-</file>
-
-<file path=customXml/item15.xml><?xml version="1.0" encoding="utf-8"?>
-<Control xmlns="http://schemas.microsoft.com/VisualStudio/2011/storyboarding/control">
-  <Id Name="369f9055-6b6c-48b9-9320-5df2d46c430a" Revision="1" Stencil="7276b9ef-3953-4dce-a89b-ed85f20b8b93" StencilVersion="1.0"/>
-</Control>
-</file>
-
-<file path=customXml/item16.xml><?xml version="1.0" encoding="utf-8"?>
 <p:properties xmlns:p="http://schemas.microsoft.com/office/2006/metadata/properties" xmlns:xsi="http://www.w3.org/2001/XMLSchema-instance" xmlns:pc="http://schemas.microsoft.com/office/infopath/2007/PartnerControls">
   <documentManagement>
     <SharedWithUsers xmlns="83cd2334-221a-48c3-9034-bfd1542dfe28">
@@ -44346,43 +44510,7 @@
 </p:properties>
 </file>
 
-<file path=customXml/item17.xml><?xml version="1.0" encoding="utf-8"?>
-<Control xmlns="http://schemas.microsoft.com/VisualStudio/2011/storyboarding/control">
-  <Id Name="fb22c541-ded0-47fa-8877-83a4c2d16227" Revision="1" Stencil="7276b9ef-3953-4dce-a89b-ed85f20b8b93" StencilVersion="1.0"/>
-</Control>
-</file>
-
-<file path=customXml/item18.xml><?xml version="1.0" encoding="utf-8"?>
-<Control xmlns="http://schemas.microsoft.com/VisualStudio/2011/storyboarding/control">
-  <Id Name="a53d73d2-368b-429e-b817-1324eec1382c" Revision="1" Stencil="7276b9ef-3953-4dce-a89b-ed85f20b8b93" StencilVersion="1.0"/>
-</Control>
-</file>
-
-<file path=customXml/item19.xml><?xml version="1.0" encoding="utf-8"?>
-<Control xmlns="http://schemas.microsoft.com/VisualStudio/2011/storyboarding/control">
-  <Id Name="369f9055-6b6c-48b9-9320-5df2d46c430a" Revision="1" Stencil="7276b9ef-3953-4dce-a89b-ed85f20b8b93" StencilVersion="1.0"/>
-</Control>
-</file>
-
-<file path=customXml/item2.xml><?xml version="1.0" encoding="utf-8"?>
-<Control xmlns="http://schemas.microsoft.com/VisualStudio/2011/storyboarding/control">
-  <Id Name="fb22c541-ded0-47fa-8877-83a4c2d16227" Revision="1" Stencil="7276b9ef-3953-4dce-a89b-ed85f20b8b93" StencilVersion="1.0"/>
-</Control>
-</file>
-
-<file path=customXml/item20.xml><?xml version="1.0" encoding="utf-8"?>
-<Control xmlns="http://schemas.microsoft.com/VisualStudio/2011/storyboarding/control">
-  <Id Name="369f9055-6b6c-48b9-9320-5df2d46c430a" Revision="1" Stencil="7276b9ef-3953-4dce-a89b-ed85f20b8b93" StencilVersion="1.0"/>
-</Control>
-</file>
-
-<file path=customXml/item21.xml><?xml version="1.0" encoding="utf-8"?>
-<Control xmlns="http://schemas.microsoft.com/VisualStudio/2011/storyboarding/control">
-  <Id Name="a2191c86-fc50-4add-948c-129f6b5a88d8" Revision="1" Stencil="7276b9ef-3953-4dce-a89b-ed85f20b8b93" StencilVersion="1.0"/>
-</Control>
-</file>
-
-<file path=customXml/item22.xml><?xml version="1.0" encoding="utf-8"?>
+<file path=customXml/item13.xml><?xml version="1.0" encoding="utf-8"?>
 <?mso-contentType ?>
 <FormTemplates xmlns="http://schemas.microsoft.com/sharepoint/v3/contenttype/forms">
   <Display>DocumentLibraryForm</Display>
@@ -44391,7 +44519,19 @@
 </FormTemplates>
 </file>
 
-<file path=customXml/item23.xml><?xml version="1.0" encoding="utf-8"?>
+<file path=customXml/item14.xml><?xml version="1.0" encoding="utf-8"?>
+<Control xmlns="http://schemas.microsoft.com/VisualStudio/2011/storyboarding/control">
+  <Id Name="369f9055-6b6c-48b9-9320-5df2d46c430a" Revision="1" Stencil="7276b9ef-3953-4dce-a89b-ed85f20b8b93" StencilVersion="1.0"/>
+</Control>
+</file>
+
+<file path=customXml/item15.xml><?xml version="1.0" encoding="utf-8"?>
+<Control xmlns="http://schemas.microsoft.com/VisualStudio/2011/storyboarding/control">
+  <Id Name="a2191c86-fc50-4add-948c-129f6b5a88d8" Revision="1" Stencil="7276b9ef-3953-4dce-a89b-ed85f20b8b93" StencilVersion="1.0"/>
+</Control>
+</file>
+
+<file path=customXml/item16.xml><?xml version="1.0" encoding="utf-8"?>
 <?mso-contentType ?>
 <FormTemplates xmlns="http://schemas.microsoft.com/sharepoint/v3/contenttype/forms">
   <Display>DocumentLibraryForm</Display>
@@ -44400,7 +44540,25 @@
 </FormTemplates>
 </file>
 
-<file path=customXml/item24.xml><?xml version="1.0" encoding="utf-8"?>
+<file path=customXml/item17.xml><?xml version="1.0" encoding="utf-8"?>
+<?mso-contentType ?>
+<FormTemplates xmlns="http://schemas.microsoft.com/sharepoint/v3/contenttype/forms">
+  <Display>DocumentLibraryForm</Display>
+  <Edit>DocumentLibraryForm</Edit>
+  <New>DocumentLibraryForm</New>
+</FormTemplates>
+</file>
+
+<file path=customXml/item18.xml><?xml version="1.0" encoding="utf-8"?>
+<?mso-contentType ?>
+<FormTemplates xmlns="http://schemas.microsoft.com/sharepoint/v3/contenttype/forms">
+  <Display>DocumentLibraryForm</Display>
+  <Edit>DocumentLibraryForm</Edit>
+  <New>DocumentLibraryForm</New>
+</FormTemplates>
+</file>
+
+<file path=customXml/item19.xml><?xml version="1.0" encoding="utf-8"?>
 <p:properties xmlns:p="http://schemas.microsoft.com/office/2006/metadata/properties" xmlns:xsi="http://www.w3.org/2001/XMLSchema-instance" xmlns:pc="http://schemas.microsoft.com/office/infopath/2007/PartnerControls">
   <documentManagement>
     <SharedWithUsers xmlns="83cd2334-221a-48c3-9034-bfd1542dfe28">
@@ -44422,6 +44580,78 @@
     </SharedWithUsers>
   </documentManagement>
 </p:properties>
+</file>
+
+<file path=customXml/item2.xml><?xml version="1.0" encoding="utf-8"?>
+<Control xmlns="http://schemas.microsoft.com/VisualStudio/2011/storyboarding/control">
+  <Id Name="a53d73d2-368b-429e-b817-1324eec1382c" Revision="1" Stencil="7276b9ef-3953-4dce-a89b-ed85f20b8b93" StencilVersion="1.0"/>
+</Control>
+</file>
+
+<file path=customXml/item20.xml><?xml version="1.0" encoding="utf-8"?>
+<p:properties xmlns:p="http://schemas.microsoft.com/office/2006/metadata/properties" xmlns:xsi="http://www.w3.org/2001/XMLSchema-instance" xmlns:pc="http://schemas.microsoft.com/office/infopath/2007/PartnerControls">
+  <documentManagement>
+    <SharedWithUsers xmlns="83cd2334-221a-48c3-9034-bfd1542dfe28">
+      <UserInfo>
+        <DisplayName>Gilad Turbahn</DisplayName>
+        <AccountId>511</AccountId>
+        <AccountType/>
+      </UserInfo>
+      <UserInfo>
+        <DisplayName>Keith Boyd</DisplayName>
+        <AccountId>993</AccountId>
+        <AccountType/>
+      </UserInfo>
+      <UserInfo>
+        <DisplayName>Christopher Harrison</DisplayName>
+        <AccountId>1176</AccountId>
+        <AccountType/>
+      </UserInfo>
+    </SharedWithUsers>
+  </documentManagement>
+</p:properties>
+</file>
+
+<file path=customXml/item21.xml><?xml version="1.0" encoding="utf-8"?>
+<p:properties xmlns:p="http://schemas.microsoft.com/office/2006/metadata/properties" xmlns:xsi="http://www.w3.org/2001/XMLSchema-instance" xmlns:pc="http://schemas.microsoft.com/office/infopath/2007/PartnerControls">
+  <documentManagement>
+    <SharedWithUsers xmlns="83cd2334-221a-48c3-9034-bfd1542dfe28">
+      <UserInfo>
+        <DisplayName>Gilad Turbahn</DisplayName>
+        <AccountId>511</AccountId>
+        <AccountType/>
+      </UserInfo>
+      <UserInfo>
+        <DisplayName>Keith Boyd</DisplayName>
+        <AccountId>993</AccountId>
+        <AccountType/>
+      </UserInfo>
+      <UserInfo>
+        <DisplayName>Christopher Harrison</DisplayName>
+        <AccountId>1176</AccountId>
+        <AccountType/>
+      </UserInfo>
+    </SharedWithUsers>
+  </documentManagement>
+</p:properties>
+</file>
+
+<file path=customXml/item22.xml><?xml version="1.0" encoding="utf-8"?>
+<Control xmlns="http://schemas.microsoft.com/VisualStudio/2011/storyboarding/control">
+  <Id Name="d69996e1-3d61-4686-9b63-f1b855c596ab" Revision="1" Stencil="7276b9ef-3953-4dce-a89b-ed85f20b8b93" StencilVersion="1.0"/>
+</Control>
+</file>
+
+<file path=customXml/item23.xml><?xml version="1.0" encoding="utf-8"?>
+<Control xmlns="http://schemas.microsoft.com/VisualStudio/2011/storyboarding/control">
+  <Id Name="369f9055-6b6c-48b9-9320-5df2d46c430a" Revision="1" Stencil="7276b9ef-3953-4dce-a89b-ed85f20b8b93" StencilVersion="1.0"/>
+</Control>
+</file>
+
+<file path=customXml/item24.xml><?xml version="1.0" encoding="utf-8"?>
+<Control xmlns="http://schemas.microsoft.com/VisualStudio/2011/storyboarding/control">
+  <Id Name="fb22c541-ded0-47fa-8877-83a4c2d16227" Revision="1" Stencil="7276b9ef-3953-4dce-a89b-ed85f20b8b93" StencilVersion="1.0"/>
+</Control>
 </file>
 
 <file path=customXml/item25.xml><?xml version="1.0" encoding="utf-8"?>
@@ -44574,7 +44804,7 @@
 
 <file path=customXml/item26.xml><?xml version="1.0" encoding="utf-8"?>
 <Control xmlns="http://schemas.microsoft.com/VisualStudio/2011/storyboarding/control">
-  <Id Name="369f9055-6b6c-48b9-9320-5df2d46c430a" Revision="1" Stencil="7276b9ef-3953-4dce-a89b-ed85f20b8b93" StencilVersion="1.0"/>
+  <Id Name="fb22c541-ded0-47fa-8877-83a4c2d16227" Revision="1" Stencil="7276b9ef-3953-4dce-a89b-ed85f20b8b93" StencilVersion="1.0"/>
 </Control>
 </file>
 
@@ -44588,24 +44818,6 @@
 </file>
 
 <file path=customXml/item28.xml><?xml version="1.0" encoding="utf-8"?>
-<Control xmlns="http://schemas.microsoft.com/VisualStudio/2011/storyboarding/control">
-  <Id Name="a53d73d2-368b-429e-b817-1324eec1382c" Revision="1" Stencil="7276b9ef-3953-4dce-a89b-ed85f20b8b93" StencilVersion="1.0"/>
-</Control>
-</file>
-
-<file path=customXml/item29.xml><?xml version="1.0" encoding="utf-8"?>
-<Control xmlns="http://schemas.microsoft.com/VisualStudio/2011/storyboarding/control">
-  <Id Name="d69996e1-3d61-4686-9b63-f1b855c596ab" Revision="1" Stencil="7276b9ef-3953-4dce-a89b-ed85f20b8b93" StencilVersion="1.0"/>
-</Control>
-</file>
-
-<file path=customXml/item3.xml><?xml version="1.0" encoding="utf-8"?>
-<Control xmlns="http://schemas.microsoft.com/VisualStudio/2011/storyboarding/control">
-  <Id Name="d69996e1-3d61-4686-9b63-f1b855c596ab" Revision="1" Stencil="7276b9ef-3953-4dce-a89b-ed85f20b8b93" StencilVersion="1.0"/>
-</Control>
-</file>
-
-<file path=customXml/item30.xml><?xml version="1.0" encoding="utf-8"?>
 <?mso-contentType ?>
 <FormTemplates xmlns="http://schemas.microsoft.com/sharepoint/v3/contenttype/forms">
   <Display>DocumentLibraryForm</Display>
@@ -44614,28 +44826,13 @@
 </FormTemplates>
 </file>
 
-<file path=customXml/item31.xml><?xml version="1.0" encoding="utf-8"?>
+<file path=customXml/item29.xml><?xml version="1.0" encoding="utf-8"?>
 <Control xmlns="http://schemas.microsoft.com/VisualStudio/2011/storyboarding/control">
-  <Id Name="d69996e1-3d61-4686-9b63-f1b855c596ab" Revision="1" Stencil="7276b9ef-3953-4dce-a89b-ed85f20b8b93" StencilVersion="1.0"/>
+  <Id Name="369f9055-6b6c-48b9-9320-5df2d46c430a" Revision="1" Stencil="7276b9ef-3953-4dce-a89b-ed85f20b8b93" StencilVersion="1.0"/>
 </Control>
 </file>
 
-<file path=customXml/item32.xml><?xml version="1.0" encoding="utf-8"?>
-<?mso-contentType ?>
-<FormTemplates xmlns="http://schemas.microsoft.com/sharepoint/v3/contenttype/forms">
-  <Display>DocumentLibraryForm</Display>
-  <Edit>DocumentLibraryForm</Edit>
-  <New>DocumentLibraryForm</New>
-</FormTemplates>
-</file>
-
-<file path=customXml/item33.xml><?xml version="1.0" encoding="utf-8"?>
-<Control xmlns="http://schemas.microsoft.com/VisualStudio/2011/storyboarding/control">
-  <Id Name="fb22c541-ded0-47fa-8877-83a4c2d16227" Revision="1" Stencil="7276b9ef-3953-4dce-a89b-ed85f20b8b93" StencilVersion="1.0"/>
-</Control>
-</file>
-
-<file path=customXml/item34.xml><?xml version="1.0" encoding="utf-8"?>
+<file path=customXml/item3.xml><?xml version="1.0" encoding="utf-8"?>
 <p:properties xmlns:p="http://schemas.microsoft.com/office/2006/metadata/properties" xmlns:xsi="http://www.w3.org/2001/XMLSchema-instance" xmlns:pc="http://schemas.microsoft.com/office/infopath/2007/PartnerControls">
   <documentManagement>
     <SharedWithUsers xmlns="83cd2334-221a-48c3-9034-bfd1542dfe28">
@@ -44659,7 +44856,118 @@
 </p:properties>
 </file>
 
+<file path=customXml/item30.xml><?xml version="1.0" encoding="utf-8"?>
+<Control xmlns="http://schemas.microsoft.com/VisualStudio/2011/storyboarding/control">
+  <Id Name="a2191c86-fc50-4add-948c-129f6b5a88d8" Revision="1" Stencil="7276b9ef-3953-4dce-a89b-ed85f20b8b93" StencilVersion="1.0"/>
+</Control>
+</file>
+
+<file path=customXml/item31.xml><?xml version="1.0" encoding="utf-8"?>
+<Control xmlns="http://schemas.microsoft.com/VisualStudio/2011/storyboarding/control">
+  <Id Name="369f9055-6b6c-48b9-9320-5df2d46c430a" Revision="1" Stencil="7276b9ef-3953-4dce-a89b-ed85f20b8b93" StencilVersion="1.0"/>
+</Control>
+</file>
+
+<file path=customXml/item32.xml><?xml version="1.0" encoding="utf-8"?>
+<Control xmlns="http://schemas.microsoft.com/VisualStudio/2011/storyboarding/control">
+  <Id Name="d69996e1-3d61-4686-9b63-f1b855c596ab" Revision="1" Stencil="7276b9ef-3953-4dce-a89b-ed85f20b8b93" StencilVersion="1.0"/>
+</Control>
+</file>
+
+<file path=customXml/item33.xml><?xml version="1.0" encoding="utf-8"?>
+<Control xmlns="http://schemas.microsoft.com/VisualStudio/2011/storyboarding/control">
+  <Id Name="369f9055-6b6c-48b9-9320-5df2d46c430a" Revision="1" Stencil="7276b9ef-3953-4dce-a89b-ed85f20b8b93" StencilVersion="1.0"/>
+</Control>
+</file>
+
+<file path=customXml/item34.xml><?xml version="1.0" encoding="utf-8"?>
+<?mso-contentType ?>
+<FormTemplates xmlns="http://schemas.microsoft.com/sharepoint/v3/contenttype/forms">
+  <Display>DocumentLibraryForm</Display>
+  <Edit>DocumentLibraryForm</Edit>
+  <New>DocumentLibraryForm</New>
+</FormTemplates>
+</file>
+
 <file path=customXml/item35.xml><?xml version="1.0" encoding="utf-8"?>
+<Control xmlns="http://schemas.microsoft.com/VisualStudio/2011/storyboarding/control">
+  <Id Name="a53d73d2-368b-429e-b817-1324eec1382c" Revision="1" Stencil="7276b9ef-3953-4dce-a89b-ed85f20b8b93" StencilVersion="1.0"/>
+</Control>
+</file>
+
+<file path=customXml/item36.xml><?xml version="1.0" encoding="utf-8"?>
+<Control xmlns="http://schemas.microsoft.com/VisualStudio/2011/storyboarding/control">
+  <Id Name="d69996e1-3d61-4686-9b63-f1b855c596ab" Revision="1" Stencil="7276b9ef-3953-4dce-a89b-ed85f20b8b93" StencilVersion="1.0"/>
+</Control>
+</file>
+
+<file path=customXml/item37.xml><?xml version="1.0" encoding="utf-8"?>
+<Control xmlns="http://schemas.microsoft.com/VisualStudio/2011/storyboarding/control">
+  <Id Name="a53d73d2-368b-429e-b817-1324eec1382c" Revision="1" Stencil="7276b9ef-3953-4dce-a89b-ed85f20b8b93" StencilVersion="1.0"/>
+</Control>
+</file>
+
+<file path=customXml/item38.xml><?xml version="1.0" encoding="utf-8"?>
+<Control xmlns="http://schemas.microsoft.com/VisualStudio/2011/storyboarding/control">
+  <Id Name="d69996e1-3d61-4686-9b63-f1b855c596ab" Revision="1" Stencil="7276b9ef-3953-4dce-a89b-ed85f20b8b93" StencilVersion="1.0"/>
+</Control>
+</file>
+
+<file path=customXml/item39.xml><?xml version="1.0" encoding="utf-8"?>
+<Control xmlns="http://schemas.microsoft.com/VisualStudio/2011/storyboarding/control">
+  <Id Name="fb22c541-ded0-47fa-8877-83a4c2d16227" Revision="1" Stencil="7276b9ef-3953-4dce-a89b-ed85f20b8b93" StencilVersion="1.0"/>
+</Control>
+</file>
+
+<file path=customXml/item4.xml><?xml version="1.0" encoding="utf-8"?>
+<Control xmlns="http://schemas.microsoft.com/VisualStudio/2011/storyboarding/control">
+  <Id Name="fb22c541-ded0-47fa-8877-83a4c2d16227" Revision="1" Stencil="7276b9ef-3953-4dce-a89b-ed85f20b8b93" StencilVersion="1.0"/>
+</Control>
+</file>
+
+<file path=customXml/item40.xml><?xml version="1.0" encoding="utf-8"?>
+<Control xmlns="http://schemas.microsoft.com/VisualStudio/2011/storyboarding/control">
+  <Id Name="a2191c86-fc50-4add-948c-129f6b5a88d8" Revision="1" Stencil="7276b9ef-3953-4dce-a89b-ed85f20b8b93" StencilVersion="1.0"/>
+</Control>
+</file>
+
+<file path=customXml/item41.xml><?xml version="1.0" encoding="utf-8"?>
+<Control xmlns="http://schemas.microsoft.com/VisualStudio/2011/storyboarding/control">
+  <Id Name="a2191c86-fc50-4add-948c-129f6b5a88d8" Revision="1" Stencil="7276b9ef-3953-4dce-a89b-ed85f20b8b93" StencilVersion="1.0"/>
+</Control>
+</file>
+
+<file path=customXml/item42.xml><?xml version="1.0" encoding="utf-8"?>
+<Control xmlns="http://schemas.microsoft.com/VisualStudio/2011/storyboarding/control">
+  <Id Name="a2191c86-fc50-4add-948c-129f6b5a88d8" Revision="1" Stencil="7276b9ef-3953-4dce-a89b-ed85f20b8b93" StencilVersion="1.0"/>
+</Control>
+</file>
+
+<file path=customXml/item43.xml><?xml version="1.0" encoding="utf-8"?>
+<Control xmlns="http://schemas.microsoft.com/VisualStudio/2011/storyboarding/control">
+  <Id Name="a53d73d2-368b-429e-b817-1324eec1382c" Revision="1" Stencil="7276b9ef-3953-4dce-a89b-ed85f20b8b93" StencilVersion="1.0"/>
+</Control>
+</file>
+
+<file path=customXml/item44.xml><?xml version="1.0" encoding="utf-8"?>
+<Control xmlns="http://schemas.microsoft.com/VisualStudio/2011/storyboarding/control">
+  <Id Name="a53d73d2-368b-429e-b817-1324eec1382c" Revision="1" Stencil="7276b9ef-3953-4dce-a89b-ed85f20b8b93" StencilVersion="1.0"/>
+</Control>
+</file>
+
+<file path=customXml/item45.xml><?xml version="1.0" encoding="utf-8"?>
+<Control xmlns="http://schemas.microsoft.com/VisualStudio/2011/storyboarding/control">
+  <Id Name="369f9055-6b6c-48b9-9320-5df2d46c430a" Revision="1" Stencil="7276b9ef-3953-4dce-a89b-ed85f20b8b93" StencilVersion="1.0"/>
+</Control>
+</file>
+
+<file path=customXml/item46.xml><?xml version="1.0" encoding="utf-8"?>
+<Control xmlns="http://schemas.microsoft.com/VisualStudio/2011/storyboarding/control">
+  <Id Name="a2191c86-fc50-4add-948c-129f6b5a88d8" Revision="1" Stencil="7276b9ef-3953-4dce-a89b-ed85f20b8b93" StencilVersion="1.0"/>
+</Control>
+</file>
+
+<file path=customXml/item47.xml><?xml version="1.0" encoding="utf-8"?>
 <p:properties xmlns:p="http://schemas.microsoft.com/office/2006/metadata/properties" xmlns:xsi="http://www.w3.org/2001/XMLSchema-instance" xmlns:pc="http://schemas.microsoft.com/office/infopath/2007/PartnerControls">
   <documentManagement>
     <SharedWithUsers xmlns="83cd2334-221a-48c3-9034-bfd1542dfe28">
@@ -44683,58 +44991,7 @@
 </p:properties>
 </file>
 
-<file path=customXml/item36.xml><?xml version="1.0" encoding="utf-8"?>
-<Control xmlns="http://schemas.microsoft.com/VisualStudio/2011/storyboarding/control">
-  <Id Name="d69996e1-3d61-4686-9b63-f1b855c596ab" Revision="1" Stencil="7276b9ef-3953-4dce-a89b-ed85f20b8b93" StencilVersion="1.0"/>
-</Control>
-</file>
-
-<file path=customXml/item37.xml><?xml version="1.0" encoding="utf-8"?>
-<Control xmlns="http://schemas.microsoft.com/VisualStudio/2011/storyboarding/control">
-  <Id Name="d69996e1-3d61-4686-9b63-f1b855c596ab" Revision="1" Stencil="7276b9ef-3953-4dce-a89b-ed85f20b8b93" StencilVersion="1.0"/>
-</Control>
-</file>
-
-<file path=customXml/item38.xml><?xml version="1.0" encoding="utf-8"?>
-<?mso-contentType ?>
-<FormTemplates xmlns="http://schemas.microsoft.com/sharepoint/v3/contenttype/forms">
-  <Display>DocumentLibraryForm</Display>
-  <Edit>DocumentLibraryForm</Edit>
-  <New>DocumentLibraryForm</New>
-</FormTemplates>
-</file>
-
-<file path=customXml/item39.xml><?xml version="1.0" encoding="utf-8"?>
-<Control xmlns="http://schemas.microsoft.com/VisualStudio/2011/storyboarding/control">
-  <Id Name="a53d73d2-368b-429e-b817-1324eec1382c" Revision="1" Stencil="7276b9ef-3953-4dce-a89b-ed85f20b8b93" StencilVersion="1.0"/>
-</Control>
-</file>
-
-<file path=customXml/item4.xml><?xml version="1.0" encoding="utf-8"?>
-<Control xmlns="http://schemas.microsoft.com/VisualStudio/2011/storyboarding/control">
-  <Id Name="a2191c86-fc50-4add-948c-129f6b5a88d8" Revision="1" Stencil="7276b9ef-3953-4dce-a89b-ed85f20b8b93" StencilVersion="1.0"/>
-</Control>
-</file>
-
-<file path=customXml/item40.xml><?xml version="1.0" encoding="utf-8"?>
-<Control xmlns="http://schemas.microsoft.com/VisualStudio/2011/storyboarding/control">
-  <Id Name="fb22c541-ded0-47fa-8877-83a4c2d16227" Revision="1" Stencil="7276b9ef-3953-4dce-a89b-ed85f20b8b93" StencilVersion="1.0"/>
-</Control>
-</file>
-
-<file path=customXml/item41.xml><?xml version="1.0" encoding="utf-8"?>
-<Control xmlns="http://schemas.microsoft.com/VisualStudio/2011/storyboarding/control">
-  <Id Name="a2191c86-fc50-4add-948c-129f6b5a88d8" Revision="1" Stencil="7276b9ef-3953-4dce-a89b-ed85f20b8b93" StencilVersion="1.0"/>
-</Control>
-</file>
-
-<file path=customXml/item42.xml><?xml version="1.0" encoding="utf-8"?>
-<Control xmlns="http://schemas.microsoft.com/VisualStudio/2011/storyboarding/control">
-  <Id Name="a53d73d2-368b-429e-b817-1324eec1382c" Revision="1" Stencil="7276b9ef-3953-4dce-a89b-ed85f20b8b93" StencilVersion="1.0"/>
-</Control>
-</file>
-
-<file path=customXml/item43.xml><?xml version="1.0" encoding="utf-8"?>
+<file path=customXml/item5.xml><?xml version="1.0" encoding="utf-8"?>
 <p:properties xmlns:p="http://schemas.microsoft.com/office/2006/metadata/properties" xmlns:xsi="http://www.w3.org/2001/XMLSchema-instance" xmlns:pc="http://schemas.microsoft.com/office/infopath/2007/PartnerControls">
   <documentManagement>
     <SharedWithUsers xmlns="83cd2334-221a-48c3-9034-bfd1542dfe28">
@@ -44758,60 +45015,6 @@
 </p:properties>
 </file>
 
-<file path=customXml/item44.xml><?xml version="1.0" encoding="utf-8"?>
-<Control xmlns="http://schemas.microsoft.com/VisualStudio/2011/storyboarding/control">
-  <Id Name="fb22c541-ded0-47fa-8877-83a4c2d16227" Revision="1" Stencil="7276b9ef-3953-4dce-a89b-ed85f20b8b93" StencilVersion="1.0"/>
-</Control>
-</file>
-
-<file path=customXml/item45.xml><?xml version="1.0" encoding="utf-8"?>
-<p:properties xmlns:p="http://schemas.microsoft.com/office/2006/metadata/properties" xmlns:xsi="http://www.w3.org/2001/XMLSchema-instance" xmlns:pc="http://schemas.microsoft.com/office/infopath/2007/PartnerControls">
-  <documentManagement>
-    <SharedWithUsers xmlns="83cd2334-221a-48c3-9034-bfd1542dfe28">
-      <UserInfo>
-        <DisplayName>Gilad Turbahn</DisplayName>
-        <AccountId>511</AccountId>
-        <AccountType/>
-      </UserInfo>
-      <UserInfo>
-        <DisplayName>Keith Boyd</DisplayName>
-        <AccountId>993</AccountId>
-        <AccountType/>
-      </UserInfo>
-      <UserInfo>
-        <DisplayName>Christopher Harrison</DisplayName>
-        <AccountId>1176</AccountId>
-        <AccountType/>
-      </UserInfo>
-    </SharedWithUsers>
-  </documentManagement>
-</p:properties>
-</file>
-
-<file path=customXml/item46.xml><?xml version="1.0" encoding="utf-8"?>
-<?mso-contentType ?>
-<FormTemplates xmlns="http://schemas.microsoft.com/sharepoint/v3/contenttype/forms">
-  <Display>DocumentLibraryForm</Display>
-  <Edit>DocumentLibraryForm</Edit>
-  <New>DocumentLibraryForm</New>
-</FormTemplates>
-</file>
-
-<file path=customXml/item47.xml><?xml version="1.0" encoding="utf-8"?>
-<Control xmlns="http://schemas.microsoft.com/VisualStudio/2011/storyboarding/control">
-  <Id Name="a53d73d2-368b-429e-b817-1324eec1382c" Revision="1" Stencil="7276b9ef-3953-4dce-a89b-ed85f20b8b93" StencilVersion="1.0"/>
-</Control>
-</file>
-
-<file path=customXml/item5.xml><?xml version="1.0" encoding="utf-8"?>
-<?mso-contentType ?>
-<FormTemplates xmlns="http://schemas.microsoft.com/sharepoint/v3/contenttype/forms">
-  <Display>DocumentLibraryForm</Display>
-  <Edit>DocumentLibraryForm</Edit>
-  <New>DocumentLibraryForm</New>
-</FormTemplates>
-</file>
-
 <file path=customXml/item6.xml><?xml version="1.0" encoding="utf-8"?>
 <Control xmlns="http://schemas.microsoft.com/VisualStudio/2011/storyboarding/control">
   <Id Name="d69996e1-3d61-4686-9b63-f1b855c596ab" Revision="1" Stencil="7276b9ef-3953-4dce-a89b-ed85f20b8b93" StencilVersion="1.0"/>
@@ -44819,27 +45022,9 @@
 </file>
 
 <file path=customXml/item7.xml><?xml version="1.0" encoding="utf-8"?>
-<p:properties xmlns:p="http://schemas.microsoft.com/office/2006/metadata/properties" xmlns:xsi="http://www.w3.org/2001/XMLSchema-instance" xmlns:pc="http://schemas.microsoft.com/office/infopath/2007/PartnerControls">
-  <documentManagement>
-    <SharedWithUsers xmlns="83cd2334-221a-48c3-9034-bfd1542dfe28">
-      <UserInfo>
-        <DisplayName>Gilad Turbahn</DisplayName>
-        <AccountId>511</AccountId>
-        <AccountType/>
-      </UserInfo>
-      <UserInfo>
-        <DisplayName>Keith Boyd</DisplayName>
-        <AccountId>993</AccountId>
-        <AccountType/>
-      </UserInfo>
-      <UserInfo>
-        <DisplayName>Christopher Harrison</DisplayName>
-        <AccountId>1176</AccountId>
-        <AccountType/>
-      </UserInfo>
-    </SharedWithUsers>
-  </documentManagement>
-</p:properties>
+<Control xmlns="http://schemas.microsoft.com/VisualStudio/2011/storyboarding/control">
+  <Id Name="fb22c541-ded0-47fa-8877-83a4c2d16227" Revision="1" Stencil="7276b9ef-3953-4dce-a89b-ed85f20b8b93" StencilVersion="1.0"/>
+</Control>
 </file>
 
 <file path=customXml/item8.xml><?xml version="1.0" encoding="utf-8"?>
@@ -44867,13 +45052,16 @@
 </file>
 
 <file path=customXml/item9.xml><?xml version="1.0" encoding="utf-8"?>
-<Control xmlns="http://schemas.microsoft.com/VisualStudio/2011/storyboarding/control">
-  <Id Name="a2191c86-fc50-4add-948c-129f6b5a88d8" Revision="1" Stencil="7276b9ef-3953-4dce-a89b-ed85f20b8b93" StencilVersion="1.0"/>
-</Control>
+<?mso-contentType ?>
+<FormTemplates xmlns="http://schemas.microsoft.com/sharepoint/v3/contenttype/forms">
+  <Display>DocumentLibraryForm</Display>
+  <Edit>DocumentLibraryForm</Edit>
+  <New>DocumentLibraryForm</New>
+</FormTemplates>
 </file>
 
 <file path=customXml/itemProps1.xml><?xml version="1.0" encoding="utf-8"?>
-<ds:datastoreItem xmlns:ds="http://schemas.openxmlformats.org/officeDocument/2006/customXml" ds:itemID="{08C4EE12-DF69-4FFC-9E40-C7991F3490A6}">
+<ds:datastoreItem xmlns:ds="http://schemas.openxmlformats.org/officeDocument/2006/customXml" ds:itemID="{F68D8396-E21C-4AFF-8FDD-70D00673D0EE}">
   <ds:schemaRefs>
     <ds:schemaRef ds:uri="http://schemas.microsoft.com/VisualStudio/2011/storyboarding/control"/>
   </ds:schemaRefs>
@@ -44881,7 +45069,7 @@
 </file>
 
 <file path=customXml/itemProps10.xml><?xml version="1.0" encoding="utf-8"?>
-<ds:datastoreItem xmlns:ds="http://schemas.openxmlformats.org/officeDocument/2006/customXml" ds:itemID="{4E805D65-1532-4BB0-8F41-8013167C0009}">
+<ds:datastoreItem xmlns:ds="http://schemas.openxmlformats.org/officeDocument/2006/customXml" ds:itemID="{0282FB20-2D4C-459D-8468-77D1D3C6925D}">
   <ds:schemaRefs>
     <ds:schemaRef ds:uri="http://schemas.microsoft.com/VisualStudio/2011/storyboarding/control"/>
   </ds:schemaRefs>
@@ -44889,7 +45077,7 @@
 </file>
 
 <file path=customXml/itemProps11.xml><?xml version="1.0" encoding="utf-8"?>
-<ds:datastoreItem xmlns:ds="http://schemas.openxmlformats.org/officeDocument/2006/customXml" ds:itemID="{376216F9-AF6B-4844-AE8C-B9F953F916AB}">
+<ds:datastoreItem xmlns:ds="http://schemas.openxmlformats.org/officeDocument/2006/customXml" ds:itemID="{D6FEE829-2115-45B4-8110-670FD454542B}">
   <ds:schemaRefs>
     <ds:schemaRef ds:uri="http://schemas.microsoft.com/VisualStudio/2011/storyboarding/control"/>
   </ds:schemaRefs>
@@ -44897,39 +45085,7 @@
 </file>
 
 <file path=customXml/itemProps12.xml><?xml version="1.0" encoding="utf-8"?>
-<ds:datastoreItem xmlns:ds="http://schemas.openxmlformats.org/officeDocument/2006/customXml" ds:itemID="{82DB428A-B8F8-483F-8276-095629A8ECDB}">
-  <ds:schemaRefs>
-    <ds:schemaRef ds:uri="http://schemas.microsoft.com/VisualStudio/2011/storyboarding/control"/>
-  </ds:schemaRefs>
-</ds:datastoreItem>
-</file>
-
-<file path=customXml/itemProps13.xml><?xml version="1.0" encoding="utf-8"?>
-<ds:datastoreItem xmlns:ds="http://schemas.openxmlformats.org/officeDocument/2006/customXml" ds:itemID="{0B54C583-7BAB-4080-8093-C5F84F5A225A}">
-  <ds:schemaRefs>
-    <ds:schemaRef ds:uri="http://schemas.microsoft.com/VisualStudio/2011/storyboarding/control"/>
-  </ds:schemaRefs>
-</ds:datastoreItem>
-</file>
-
-<file path=customXml/itemProps14.xml><?xml version="1.0" encoding="utf-8"?>
-<ds:datastoreItem xmlns:ds="http://schemas.openxmlformats.org/officeDocument/2006/customXml" ds:itemID="{8BD595CA-AC5E-43B9-B966-E468A16E8322}">
-  <ds:schemaRefs>
-    <ds:schemaRef ds:uri="http://schemas.microsoft.com/VisualStudio/2011/storyboarding/control"/>
-  </ds:schemaRefs>
-</ds:datastoreItem>
-</file>
-
-<file path=customXml/itemProps15.xml><?xml version="1.0" encoding="utf-8"?>
-<ds:datastoreItem xmlns:ds="http://schemas.openxmlformats.org/officeDocument/2006/customXml" ds:itemID="{FE651ABA-5DC1-4ABD-A06E-055AE54B337B}">
-  <ds:schemaRefs>
-    <ds:schemaRef ds:uri="http://schemas.microsoft.com/VisualStudio/2011/storyboarding/control"/>
-  </ds:schemaRefs>
-</ds:datastoreItem>
-</file>
-
-<file path=customXml/itemProps16.xml><?xml version="1.0" encoding="utf-8"?>
-<ds:datastoreItem xmlns:ds="http://schemas.openxmlformats.org/officeDocument/2006/customXml" ds:itemID="{F990F116-B58F-4255-B05B-DA3808E0E5C6}">
+<ds:datastoreItem xmlns:ds="http://schemas.openxmlformats.org/officeDocument/2006/customXml" ds:itemID="{F2A3D62E-9019-42F6-B384-F0C1B47F6311}">
   <ds:schemaRefs>
     <ds:schemaRef ds:uri="http://schemas.microsoft.com/office/2006/metadata/properties"/>
     <ds:schemaRef ds:uri="http://schemas.microsoft.com/office/infopath/2007/PartnerControls"/>
@@ -44938,23 +45094,15 @@
 </ds:datastoreItem>
 </file>
 
-<file path=customXml/itemProps17.xml><?xml version="1.0" encoding="utf-8"?>
-<ds:datastoreItem xmlns:ds="http://schemas.openxmlformats.org/officeDocument/2006/customXml" ds:itemID="{432851C6-BC05-4673-B853-6D08AB80CDC4}">
+<file path=customXml/itemProps13.xml><?xml version="1.0" encoding="utf-8"?>
+<ds:datastoreItem xmlns:ds="http://schemas.openxmlformats.org/officeDocument/2006/customXml" ds:itemID="{9360AFB9-8F99-4E1B-878D-F2EBABEB164C}">
   <ds:schemaRefs>
-    <ds:schemaRef ds:uri="http://schemas.microsoft.com/VisualStudio/2011/storyboarding/control"/>
+    <ds:schemaRef ds:uri="http://schemas.microsoft.com/sharepoint/v3/contenttype/forms"/>
   </ds:schemaRefs>
 </ds:datastoreItem>
 </file>
 
-<file path=customXml/itemProps18.xml><?xml version="1.0" encoding="utf-8"?>
-<ds:datastoreItem xmlns:ds="http://schemas.openxmlformats.org/officeDocument/2006/customXml" ds:itemID="{6FB9D450-4C47-4A44-8C0D-C78D8A54C46F}">
-  <ds:schemaRefs>
-    <ds:schemaRef ds:uri="http://schemas.microsoft.com/VisualStudio/2011/storyboarding/control"/>
-  </ds:schemaRefs>
-</ds:datastoreItem>
-</file>
-
-<file path=customXml/itemProps19.xml><?xml version="1.0" encoding="utf-8"?>
+<file path=customXml/itemProps14.xml><?xml version="1.0" encoding="utf-8"?>
 <ds:datastoreItem xmlns:ds="http://schemas.openxmlformats.org/officeDocument/2006/customXml" ds:itemID="{42D603BF-B513-4201-A599-21BA0F4FFC40}">
   <ds:schemaRefs>
     <ds:schemaRef ds:uri="http://schemas.microsoft.com/VisualStudio/2011/storyboarding/control"/>
@@ -44962,8 +45110,50 @@
 </ds:datastoreItem>
 </file>
 
+<file path=customXml/itemProps15.xml><?xml version="1.0" encoding="utf-8"?>
+<ds:datastoreItem xmlns:ds="http://schemas.openxmlformats.org/officeDocument/2006/customXml" ds:itemID="{8BD595CA-AC5E-43B9-B966-E468A16E8322}">
+  <ds:schemaRefs>
+    <ds:schemaRef ds:uri="http://schemas.microsoft.com/VisualStudio/2011/storyboarding/control"/>
+  </ds:schemaRefs>
+</ds:datastoreItem>
+</file>
+
+<file path=customXml/itemProps16.xml><?xml version="1.0" encoding="utf-8"?>
+<ds:datastoreItem xmlns:ds="http://schemas.openxmlformats.org/officeDocument/2006/customXml" ds:itemID="{758FDAC0-319D-4A54-8D8E-1D42CB1F8004}">
+  <ds:schemaRefs>
+    <ds:schemaRef ds:uri="http://schemas.microsoft.com/sharepoint/v3/contenttype/forms"/>
+  </ds:schemaRefs>
+</ds:datastoreItem>
+</file>
+
+<file path=customXml/itemProps17.xml><?xml version="1.0" encoding="utf-8"?>
+<ds:datastoreItem xmlns:ds="http://schemas.openxmlformats.org/officeDocument/2006/customXml" ds:itemID="{CEE4DFED-D601-44F3-BF5E-F7A340D2D7E8}">
+  <ds:schemaRefs>
+    <ds:schemaRef ds:uri="http://schemas.microsoft.com/sharepoint/v3/contenttype/forms"/>
+  </ds:schemaRefs>
+</ds:datastoreItem>
+</file>
+
+<file path=customXml/itemProps18.xml><?xml version="1.0" encoding="utf-8"?>
+<ds:datastoreItem xmlns:ds="http://schemas.openxmlformats.org/officeDocument/2006/customXml" ds:itemID="{420163CB-7272-4FC8-AE2C-0784D9255714}">
+  <ds:schemaRefs>
+    <ds:schemaRef ds:uri="http://schemas.microsoft.com/sharepoint/v3/contenttype/forms"/>
+  </ds:schemaRefs>
+</ds:datastoreItem>
+</file>
+
+<file path=customXml/itemProps19.xml><?xml version="1.0" encoding="utf-8"?>
+<ds:datastoreItem xmlns:ds="http://schemas.openxmlformats.org/officeDocument/2006/customXml" ds:itemID="{51F35C81-C0C0-447D-9F1C-DEC705B7D3F8}">
+  <ds:schemaRefs>
+    <ds:schemaRef ds:uri="http://schemas.microsoft.com/office/2006/metadata/properties"/>
+    <ds:schemaRef ds:uri="http://schemas.microsoft.com/office/infopath/2007/PartnerControls"/>
+    <ds:schemaRef ds:uri="83cd2334-221a-48c3-9034-bfd1542dfe28"/>
+  </ds:schemaRefs>
+</ds:datastoreItem>
+</file>
+
 <file path=customXml/itemProps2.xml><?xml version="1.0" encoding="utf-8"?>
-<ds:datastoreItem xmlns:ds="http://schemas.openxmlformats.org/officeDocument/2006/customXml" ds:itemID="{4E8278DB-3CDD-48A7-992E-A7596AD335B9}">
+<ds:datastoreItem xmlns:ds="http://schemas.openxmlformats.org/officeDocument/2006/customXml" ds:itemID="{8893E80D-6D0C-4E0F-AA22-E5615BB87E5B}">
   <ds:schemaRefs>
     <ds:schemaRef ds:uri="http://schemas.microsoft.com/VisualStudio/2011/storyboarding/control"/>
   </ds:schemaRefs>
@@ -44971,43 +45161,45 @@
 </file>
 
 <file path=customXml/itemProps20.xml><?xml version="1.0" encoding="utf-8"?>
-<ds:datastoreItem xmlns:ds="http://schemas.openxmlformats.org/officeDocument/2006/customXml" ds:itemID="{7959CC6A-F423-4783-B968-3BCC86A7394E}">
+<ds:datastoreItem xmlns:ds="http://schemas.openxmlformats.org/officeDocument/2006/customXml" ds:itemID="{DE03DC2D-4161-4646-99D4-41F05F40717A}">
+  <ds:schemaRefs>
+    <ds:schemaRef ds:uri="http://schemas.microsoft.com/office/2006/metadata/properties"/>
+    <ds:schemaRef ds:uri="http://schemas.microsoft.com/office/infopath/2007/PartnerControls"/>
+    <ds:schemaRef ds:uri="83cd2334-221a-48c3-9034-bfd1542dfe28"/>
+  </ds:schemaRefs>
+</ds:datastoreItem>
+</file>
+
+<file path=customXml/itemProps21.xml><?xml version="1.0" encoding="utf-8"?>
+<ds:datastoreItem xmlns:ds="http://schemas.openxmlformats.org/officeDocument/2006/customXml" ds:itemID="{473A6A21-7521-4B81-9336-9B587BA12275}">
+  <ds:schemaRefs>
+    <ds:schemaRef ds:uri="http://schemas.microsoft.com/office/2006/metadata/properties"/>
+    <ds:schemaRef ds:uri="http://schemas.microsoft.com/office/infopath/2007/PartnerControls"/>
+    <ds:schemaRef ds:uri="83cd2334-221a-48c3-9034-bfd1542dfe28"/>
+  </ds:schemaRefs>
+</ds:datastoreItem>
+</file>
+
+<file path=customXml/itemProps22.xml><?xml version="1.0" encoding="utf-8"?>
+<ds:datastoreItem xmlns:ds="http://schemas.openxmlformats.org/officeDocument/2006/customXml" ds:itemID="{C63AC2F0-1DEB-4E91-A88A-7A014A172F4F}">
   <ds:schemaRefs>
     <ds:schemaRef ds:uri="http://schemas.microsoft.com/VisualStudio/2011/storyboarding/control"/>
   </ds:schemaRefs>
 </ds:datastoreItem>
 </file>
 
-<file path=customXml/itemProps21.xml><?xml version="1.0" encoding="utf-8"?>
-<ds:datastoreItem xmlns:ds="http://schemas.openxmlformats.org/officeDocument/2006/customXml" ds:itemID="{3C954CC5-1CAC-4EC3-9791-8630483065B9}">
+<file path=customXml/itemProps23.xml><?xml version="1.0" encoding="utf-8"?>
+<ds:datastoreItem xmlns:ds="http://schemas.openxmlformats.org/officeDocument/2006/customXml" ds:itemID="{82DB428A-B8F8-483F-8276-095629A8ECDB}">
   <ds:schemaRefs>
     <ds:schemaRef ds:uri="http://schemas.microsoft.com/VisualStudio/2011/storyboarding/control"/>
   </ds:schemaRefs>
 </ds:datastoreItem>
 </file>
 
-<file path=customXml/itemProps22.xml><?xml version="1.0" encoding="utf-8"?>
-<ds:datastoreItem xmlns:ds="http://schemas.openxmlformats.org/officeDocument/2006/customXml" ds:itemID="{758FDAC0-319D-4A54-8D8E-1D42CB1F8004}">
+<file path=customXml/itemProps24.xml><?xml version="1.0" encoding="utf-8"?>
+<ds:datastoreItem xmlns:ds="http://schemas.openxmlformats.org/officeDocument/2006/customXml" ds:itemID="{432851C6-BC05-4673-B853-6D08AB80CDC4}">
   <ds:schemaRefs>
-    <ds:schemaRef ds:uri="http://schemas.microsoft.com/sharepoint/v3/contenttype/forms"/>
-  </ds:schemaRefs>
-</ds:datastoreItem>
-</file>
-
-<file path=customXml/itemProps23.xml><?xml version="1.0" encoding="utf-8"?>
-<ds:datastoreItem xmlns:ds="http://schemas.openxmlformats.org/officeDocument/2006/customXml" ds:itemID="{ABB8128A-F4B1-479E-A772-3903D4540F18}">
-  <ds:schemaRefs>
-    <ds:schemaRef ds:uri="http://schemas.microsoft.com/sharepoint/v3/contenttype/forms"/>
-  </ds:schemaRefs>
-</ds:datastoreItem>
-</file>
-
-<file path=customXml/itemProps24.xml><?xml version="1.0" encoding="utf-8"?>
-<ds:datastoreItem xmlns:ds="http://schemas.openxmlformats.org/officeDocument/2006/customXml" ds:itemID="{0443DAC5-400E-4C7D-904A-1655D788D461}">
-  <ds:schemaRefs>
-    <ds:schemaRef ds:uri="http://schemas.microsoft.com/office/2006/metadata/properties"/>
-    <ds:schemaRef ds:uri="http://schemas.microsoft.com/office/infopath/2007/PartnerControls"/>
-    <ds:schemaRef ds:uri="83cd2334-221a-48c3-9034-bfd1542dfe28"/>
+    <ds:schemaRef ds:uri="http://schemas.microsoft.com/VisualStudio/2011/storyboarding/control"/>
   </ds:schemaRefs>
 </ds:datastoreItem>
 </file>
@@ -45031,7 +45223,7 @@
 </file>
 
 <file path=customXml/itemProps26.xml><?xml version="1.0" encoding="utf-8"?>
-<ds:datastoreItem xmlns:ds="http://schemas.openxmlformats.org/officeDocument/2006/customXml" ds:itemID="{38217AA1-CC95-49A9-B284-2ED4D347D7CA}">
+<ds:datastoreItem xmlns:ds="http://schemas.openxmlformats.org/officeDocument/2006/customXml" ds:itemID="{B5105A87-47B6-44F6-97FD-4619C0556604}">
   <ds:schemaRefs>
     <ds:schemaRef ds:uri="http://schemas.microsoft.com/VisualStudio/2011/storyboarding/control"/>
   </ds:schemaRefs>
@@ -45039,7 +45231,7 @@
 </file>
 
 <file path=customXml/itemProps27.xml><?xml version="1.0" encoding="utf-8"?>
-<ds:datastoreItem xmlns:ds="http://schemas.openxmlformats.org/officeDocument/2006/customXml" ds:itemID="{CEE4DFED-D601-44F3-BF5E-F7A340D2D7E8}">
+<ds:datastoreItem xmlns:ds="http://schemas.openxmlformats.org/officeDocument/2006/customXml" ds:itemID="{36CE7DD9-2736-42B3-AB0C-F783C5ED69A0}">
   <ds:schemaRefs>
     <ds:schemaRef ds:uri="http://schemas.microsoft.com/sharepoint/v3/contenttype/forms"/>
   </ds:schemaRefs>
@@ -45047,15 +45239,15 @@
 </file>
 
 <file path=customXml/itemProps28.xml><?xml version="1.0" encoding="utf-8"?>
-<ds:datastoreItem xmlns:ds="http://schemas.openxmlformats.org/officeDocument/2006/customXml" ds:itemID="{ED350DFE-2319-4AB0-BC96-1D36D125365A}">
+<ds:datastoreItem xmlns:ds="http://schemas.openxmlformats.org/officeDocument/2006/customXml" ds:itemID="{1B259160-FA7B-45C5-BD6C-8CFE31DAB906}">
   <ds:schemaRefs>
-    <ds:schemaRef ds:uri="http://schemas.microsoft.com/VisualStudio/2011/storyboarding/control"/>
+    <ds:schemaRef ds:uri="http://schemas.microsoft.com/sharepoint/v3/contenttype/forms"/>
   </ds:schemaRefs>
 </ds:datastoreItem>
 </file>
 
 <file path=customXml/itemProps29.xml><?xml version="1.0" encoding="utf-8"?>
-<ds:datastoreItem xmlns:ds="http://schemas.openxmlformats.org/officeDocument/2006/customXml" ds:itemID="{C0F92A87-A216-45A9-B9C0-0515663D35BF}">
+<ds:datastoreItem xmlns:ds="http://schemas.openxmlformats.org/officeDocument/2006/customXml" ds:itemID="{7959CC6A-F423-4783-B968-3BCC86A7394E}">
   <ds:schemaRefs>
     <ds:schemaRef ds:uri="http://schemas.microsoft.com/VisualStudio/2011/storyboarding/control"/>
   </ds:schemaRefs>
@@ -45063,47 +45255,7 @@
 </file>
 
 <file path=customXml/itemProps3.xml><?xml version="1.0" encoding="utf-8"?>
-<ds:datastoreItem xmlns:ds="http://schemas.openxmlformats.org/officeDocument/2006/customXml" ds:itemID="{C63AC2F0-1DEB-4E91-A88A-7A014A172F4F}">
-  <ds:schemaRefs>
-    <ds:schemaRef ds:uri="http://schemas.microsoft.com/VisualStudio/2011/storyboarding/control"/>
-  </ds:schemaRefs>
-</ds:datastoreItem>
-</file>
-
-<file path=customXml/itemProps30.xml><?xml version="1.0" encoding="utf-8"?>
-<ds:datastoreItem xmlns:ds="http://schemas.openxmlformats.org/officeDocument/2006/customXml" ds:itemID="{420163CB-7272-4FC8-AE2C-0784D9255714}">
-  <ds:schemaRefs>
-    <ds:schemaRef ds:uri="http://schemas.microsoft.com/sharepoint/v3/contenttype/forms"/>
-  </ds:schemaRefs>
-</ds:datastoreItem>
-</file>
-
-<file path=customXml/itemProps31.xml><?xml version="1.0" encoding="utf-8"?>
-<ds:datastoreItem xmlns:ds="http://schemas.openxmlformats.org/officeDocument/2006/customXml" ds:itemID="{67213E6F-7B96-4222-888B-63710B06D885}">
-  <ds:schemaRefs>
-    <ds:schemaRef ds:uri="http://schemas.microsoft.com/VisualStudio/2011/storyboarding/control"/>
-  </ds:schemaRefs>
-</ds:datastoreItem>
-</file>
-
-<file path=customXml/itemProps32.xml><?xml version="1.0" encoding="utf-8"?>
-<ds:datastoreItem xmlns:ds="http://schemas.openxmlformats.org/officeDocument/2006/customXml" ds:itemID="{1EF25EC2-965B-4491-9691-6B806C9E3B8B}">
-  <ds:schemaRefs>
-    <ds:schemaRef ds:uri="http://schemas.microsoft.com/sharepoint/v3/contenttype/forms"/>
-  </ds:schemaRefs>
-</ds:datastoreItem>
-</file>
-
-<file path=customXml/itemProps33.xml><?xml version="1.0" encoding="utf-8"?>
-<ds:datastoreItem xmlns:ds="http://schemas.openxmlformats.org/officeDocument/2006/customXml" ds:itemID="{B5105A87-47B6-44F6-97FD-4619C0556604}">
-  <ds:schemaRefs>
-    <ds:schemaRef ds:uri="http://schemas.microsoft.com/VisualStudio/2011/storyboarding/control"/>
-  </ds:schemaRefs>
-</ds:datastoreItem>
-</file>
-
-<file path=customXml/itemProps34.xml><?xml version="1.0" encoding="utf-8"?>
-<ds:datastoreItem xmlns:ds="http://schemas.openxmlformats.org/officeDocument/2006/customXml" ds:itemID="{FB22C4D4-8E00-4668-8EB2-6AFF783C8E14}">
+<ds:datastoreItem xmlns:ds="http://schemas.openxmlformats.org/officeDocument/2006/customXml" ds:itemID="{E692D73E-1478-4790-BEEC-C5C534998F40}">
   <ds:schemaRefs>
     <ds:schemaRef ds:uri="http://schemas.microsoft.com/office/2006/metadata/properties"/>
     <ds:schemaRef ds:uri="http://schemas.microsoft.com/office/infopath/2007/PartnerControls"/>
@@ -45112,12 +45264,50 @@
 </ds:datastoreItem>
 </file>
 
+<file path=customXml/itemProps30.xml><?xml version="1.0" encoding="utf-8"?>
+<ds:datastoreItem xmlns:ds="http://schemas.openxmlformats.org/officeDocument/2006/customXml" ds:itemID="{4B16F4FE-7C26-4443-B426-81998D23ED87}">
+  <ds:schemaRefs>
+    <ds:schemaRef ds:uri="http://schemas.microsoft.com/VisualStudio/2011/storyboarding/control"/>
+  </ds:schemaRefs>
+</ds:datastoreItem>
+</file>
+
+<file path=customXml/itemProps31.xml><?xml version="1.0" encoding="utf-8"?>
+<ds:datastoreItem xmlns:ds="http://schemas.openxmlformats.org/officeDocument/2006/customXml" ds:itemID="{08C4EE12-DF69-4FFC-9E40-C7991F3490A6}">
+  <ds:schemaRefs>
+    <ds:schemaRef ds:uri="http://schemas.microsoft.com/VisualStudio/2011/storyboarding/control"/>
+  </ds:schemaRefs>
+</ds:datastoreItem>
+</file>
+
+<file path=customXml/itemProps32.xml><?xml version="1.0" encoding="utf-8"?>
+<ds:datastoreItem xmlns:ds="http://schemas.openxmlformats.org/officeDocument/2006/customXml" ds:itemID="{366CA990-F93D-4100-9654-65D9E30F4E1C}">
+  <ds:schemaRefs>
+    <ds:schemaRef ds:uri="http://schemas.microsoft.com/VisualStudio/2011/storyboarding/control"/>
+  </ds:schemaRefs>
+</ds:datastoreItem>
+</file>
+
+<file path=customXml/itemProps33.xml><?xml version="1.0" encoding="utf-8"?>
+<ds:datastoreItem xmlns:ds="http://schemas.openxmlformats.org/officeDocument/2006/customXml" ds:itemID="{FE651ABA-5DC1-4ABD-A06E-055AE54B337B}">
+  <ds:schemaRefs>
+    <ds:schemaRef ds:uri="http://schemas.microsoft.com/VisualStudio/2011/storyboarding/control"/>
+  </ds:schemaRefs>
+</ds:datastoreItem>
+</file>
+
+<file path=customXml/itemProps34.xml><?xml version="1.0" encoding="utf-8"?>
+<ds:datastoreItem xmlns:ds="http://schemas.openxmlformats.org/officeDocument/2006/customXml" ds:itemID="{ABB8128A-F4B1-479E-A772-3903D4540F18}">
+  <ds:schemaRefs>
+    <ds:schemaRef ds:uri="http://schemas.microsoft.com/sharepoint/v3/contenttype/forms"/>
+  </ds:schemaRefs>
+</ds:datastoreItem>
+</file>
+
 <file path=customXml/itemProps35.xml><?xml version="1.0" encoding="utf-8"?>
-<ds:datastoreItem xmlns:ds="http://schemas.openxmlformats.org/officeDocument/2006/customXml" ds:itemID="{51F35C81-C0C0-447D-9F1C-DEC705B7D3F8}">
+<ds:datastoreItem xmlns:ds="http://schemas.openxmlformats.org/officeDocument/2006/customXml" ds:itemID="{ED350DFE-2319-4AB0-BC96-1D36D125365A}">
   <ds:schemaRefs>
-    <ds:schemaRef ds:uri="http://schemas.microsoft.com/office/2006/metadata/properties"/>
-    <ds:schemaRef ds:uri="http://schemas.microsoft.com/office/infopath/2007/PartnerControls"/>
-    <ds:schemaRef ds:uri="83cd2334-221a-48c3-9034-bfd1542dfe28"/>
+    <ds:schemaRef ds:uri="http://schemas.microsoft.com/VisualStudio/2011/storyboarding/control"/>
   </ds:schemaRefs>
 </ds:datastoreItem>
 </file>
@@ -45131,7 +45321,7 @@
 </file>
 
 <file path=customXml/itemProps37.xml><?xml version="1.0" encoding="utf-8"?>
-<ds:datastoreItem xmlns:ds="http://schemas.openxmlformats.org/officeDocument/2006/customXml" ds:itemID="{0282FB20-2D4C-459D-8468-77D1D3C6925D}">
+<ds:datastoreItem xmlns:ds="http://schemas.openxmlformats.org/officeDocument/2006/customXml" ds:itemID="{4E805D65-1532-4BB0-8F41-8013167C0009}">
   <ds:schemaRefs>
     <ds:schemaRef ds:uri="http://schemas.microsoft.com/VisualStudio/2011/storyboarding/control"/>
   </ds:schemaRefs>
@@ -45139,14 +45329,62 @@
 </file>
 
 <file path=customXml/itemProps38.xml><?xml version="1.0" encoding="utf-8"?>
-<ds:datastoreItem xmlns:ds="http://schemas.openxmlformats.org/officeDocument/2006/customXml" ds:itemID="{36CE7DD9-2736-42B3-AB0C-F783C5ED69A0}">
+<ds:datastoreItem xmlns:ds="http://schemas.openxmlformats.org/officeDocument/2006/customXml" ds:itemID="{67213E6F-7B96-4222-888B-63710B06D885}">
   <ds:schemaRefs>
-    <ds:schemaRef ds:uri="http://schemas.microsoft.com/sharepoint/v3/contenttype/forms"/>
+    <ds:schemaRef ds:uri="http://schemas.microsoft.com/VisualStudio/2011/storyboarding/control"/>
   </ds:schemaRefs>
 </ds:datastoreItem>
 </file>
 
 <file path=customXml/itemProps39.xml><?xml version="1.0" encoding="utf-8"?>
+<ds:datastoreItem xmlns:ds="http://schemas.openxmlformats.org/officeDocument/2006/customXml" ds:itemID="{4C1B3C27-4803-4D72-A3F8-6668A3F0A24B}">
+  <ds:schemaRefs>
+    <ds:schemaRef ds:uri="http://schemas.microsoft.com/VisualStudio/2011/storyboarding/control"/>
+  </ds:schemaRefs>
+</ds:datastoreItem>
+</file>
+
+<file path=customXml/itemProps4.xml><?xml version="1.0" encoding="utf-8"?>
+<ds:datastoreItem xmlns:ds="http://schemas.openxmlformats.org/officeDocument/2006/customXml" ds:itemID="{4E8278DB-3CDD-48A7-992E-A7596AD335B9}">
+  <ds:schemaRefs>
+    <ds:schemaRef ds:uri="http://schemas.microsoft.com/VisualStudio/2011/storyboarding/control"/>
+  </ds:schemaRefs>
+</ds:datastoreItem>
+</file>
+
+<file path=customXml/itemProps40.xml><?xml version="1.0" encoding="utf-8"?>
+<ds:datastoreItem xmlns:ds="http://schemas.openxmlformats.org/officeDocument/2006/customXml" ds:itemID="{D4B5F268-5930-44CD-BDF1-D0A04D4BBC1C}">
+  <ds:schemaRefs>
+    <ds:schemaRef ds:uri="http://schemas.microsoft.com/VisualStudio/2011/storyboarding/control"/>
+  </ds:schemaRefs>
+</ds:datastoreItem>
+</file>
+
+<file path=customXml/itemProps41.xml><?xml version="1.0" encoding="utf-8"?>
+<ds:datastoreItem xmlns:ds="http://schemas.openxmlformats.org/officeDocument/2006/customXml" ds:itemID="{8257D6BC-B71E-4D95-81E4-A1D4A8174168}">
+  <ds:schemaRefs>
+    <ds:schemaRef ds:uri="http://schemas.microsoft.com/VisualStudio/2011/storyboarding/control"/>
+  </ds:schemaRefs>
+</ds:datastoreItem>
+</file>
+
+<file path=customXml/itemProps42.xml><?xml version="1.0" encoding="utf-8"?>
+<ds:datastoreItem xmlns:ds="http://schemas.openxmlformats.org/officeDocument/2006/customXml" ds:itemID="{0B54C583-7BAB-4080-8093-C5F84F5A225A}">
+  <ds:schemaRefs>
+    <ds:schemaRef ds:uri="http://schemas.microsoft.com/VisualStudio/2011/storyboarding/control"/>
+  </ds:schemaRefs>
+</ds:datastoreItem>
+</file>
+
+<file path=customXml/itemProps43.xml><?xml version="1.0" encoding="utf-8"?>
+<ds:datastoreItem xmlns:ds="http://schemas.openxmlformats.org/officeDocument/2006/customXml" ds:itemID="{6FB9D450-4C47-4A44-8C0D-C78D8A54C46F}">
+  <ds:schemaRefs>
+    <ds:schemaRef ds:uri="http://schemas.microsoft.com/VisualStudio/2011/storyboarding/control"/>
+  </ds:schemaRefs>
+</ds:datastoreItem>
+</file>
+
+<file path=customXml/itemProps44.xml><?xml version="1.0" encoding="utf-8"?>
 <ds:datastoreItem xmlns:ds="http://schemas.openxmlformats.org/officeDocument/2006/customXml" ds:itemID="{21F6B647-976A-41D0-B760-9DF9DFC6AE3C}">
   <ds:schemaRefs>
     <ds:schemaRef ds:uri="http://schemas.microsoft.com/VisualStudio/2011/storyboarding/control"/>
@@ -45154,40 +45392,24 @@
 </ds:datastoreItem>
 </file>
 
-<file path=customXml/itemProps4.xml><?xml version="1.0" encoding="utf-8"?>
-<ds:datastoreItem xmlns:ds="http://schemas.openxmlformats.org/officeDocument/2006/customXml" ds:itemID="{D4B5F268-5930-44CD-BDF1-D0A04D4BBC1C}">
+<file path=customXml/itemProps45.xml><?xml version="1.0" encoding="utf-8"?>
+<ds:datastoreItem xmlns:ds="http://schemas.openxmlformats.org/officeDocument/2006/customXml" ds:itemID="{38217AA1-CC95-49A9-B284-2ED4D347D7CA}">
   <ds:schemaRefs>
     <ds:schemaRef ds:uri="http://schemas.microsoft.com/VisualStudio/2011/storyboarding/control"/>
   </ds:schemaRefs>
 </ds:datastoreItem>
 </file>
 
-<file path=customXml/itemProps40.xml><?xml version="1.0" encoding="utf-8"?>
-<ds:datastoreItem xmlns:ds="http://schemas.openxmlformats.org/officeDocument/2006/customXml" ds:itemID="{D6FEE829-2115-45B4-8110-670FD454542B}">
+<file path=customXml/itemProps46.xml><?xml version="1.0" encoding="utf-8"?>
+<ds:datastoreItem xmlns:ds="http://schemas.openxmlformats.org/officeDocument/2006/customXml" ds:itemID="{3C954CC5-1CAC-4EC3-9791-8630483065B9}">
   <ds:schemaRefs>
     <ds:schemaRef ds:uri="http://schemas.microsoft.com/VisualStudio/2011/storyboarding/control"/>
   </ds:schemaRefs>
 </ds:datastoreItem>
 </file>
 
-<file path=customXml/itemProps41.xml><?xml version="1.0" encoding="utf-8"?>
-<ds:datastoreItem xmlns:ds="http://schemas.openxmlformats.org/officeDocument/2006/customXml" ds:itemID="{4B16F4FE-7C26-4443-B426-81998D23ED87}">
-  <ds:schemaRefs>
-    <ds:schemaRef ds:uri="http://schemas.microsoft.com/VisualStudio/2011/storyboarding/control"/>
-  </ds:schemaRefs>
-</ds:datastoreItem>
-</file>
-
-<file path=customXml/itemProps42.xml><?xml version="1.0" encoding="utf-8"?>
-<ds:datastoreItem xmlns:ds="http://schemas.openxmlformats.org/officeDocument/2006/customXml" ds:itemID="{F68D8396-E21C-4AFF-8FDD-70D00673D0EE}">
-  <ds:schemaRefs>
-    <ds:schemaRef ds:uri="http://schemas.microsoft.com/VisualStudio/2011/storyboarding/control"/>
-  </ds:schemaRefs>
-</ds:datastoreItem>
-</file>
-
-<file path=customXml/itemProps43.xml><?xml version="1.0" encoding="utf-8"?>
-<ds:datastoreItem xmlns:ds="http://schemas.openxmlformats.org/officeDocument/2006/customXml" ds:itemID="{DE03DC2D-4161-4646-99D4-41F05F40717A}">
+<file path=customXml/itemProps47.xml><?xml version="1.0" encoding="utf-8"?>
+<ds:datastoreItem xmlns:ds="http://schemas.openxmlformats.org/officeDocument/2006/customXml" ds:itemID="{FB22C4D4-8E00-4668-8EB2-6AFF783C8E14}">
   <ds:schemaRefs>
     <ds:schemaRef ds:uri="http://schemas.microsoft.com/office/2006/metadata/properties"/>
     <ds:schemaRef ds:uri="http://schemas.microsoft.com/office/infopath/2007/PartnerControls"/>
@@ -45196,16 +45418,8 @@
 </ds:datastoreItem>
 </file>
 
-<file path=customXml/itemProps44.xml><?xml version="1.0" encoding="utf-8"?>
-<ds:datastoreItem xmlns:ds="http://schemas.openxmlformats.org/officeDocument/2006/customXml" ds:itemID="{4C1B3C27-4803-4D72-A3F8-6668A3F0A24B}">
-  <ds:schemaRefs>
-    <ds:schemaRef ds:uri="http://schemas.microsoft.com/VisualStudio/2011/storyboarding/control"/>
-  </ds:schemaRefs>
-</ds:datastoreItem>
-</file>
-
-<file path=customXml/itemProps45.xml><?xml version="1.0" encoding="utf-8"?>
-<ds:datastoreItem xmlns:ds="http://schemas.openxmlformats.org/officeDocument/2006/customXml" ds:itemID="{F2A3D62E-9019-42F6-B384-F0C1B47F6311}">
+<file path=customXml/itemProps5.xml><?xml version="1.0" encoding="utf-8"?>
+<ds:datastoreItem xmlns:ds="http://schemas.openxmlformats.org/officeDocument/2006/customXml" ds:itemID="{F990F116-B58F-4255-B05B-DA3808E0E5C6}">
   <ds:schemaRefs>
     <ds:schemaRef ds:uri="http://schemas.microsoft.com/office/2006/metadata/properties"/>
     <ds:schemaRef ds:uri="http://schemas.microsoft.com/office/infopath/2007/PartnerControls"/>
@@ -45214,32 +45428,8 @@
 </ds:datastoreItem>
 </file>
 
-<file path=customXml/itemProps46.xml><?xml version="1.0" encoding="utf-8"?>
-<ds:datastoreItem xmlns:ds="http://schemas.openxmlformats.org/officeDocument/2006/customXml" ds:itemID="{1B259160-FA7B-45C5-BD6C-8CFE31DAB906}">
-  <ds:schemaRefs>
-    <ds:schemaRef ds:uri="http://schemas.microsoft.com/sharepoint/v3/contenttype/forms"/>
-  </ds:schemaRefs>
-</ds:datastoreItem>
-</file>
-
-<file path=customXml/itemProps47.xml><?xml version="1.0" encoding="utf-8"?>
-<ds:datastoreItem xmlns:ds="http://schemas.openxmlformats.org/officeDocument/2006/customXml" ds:itemID="{8893E80D-6D0C-4E0F-AA22-E5615BB87E5B}">
-  <ds:schemaRefs>
-    <ds:schemaRef ds:uri="http://schemas.microsoft.com/VisualStudio/2011/storyboarding/control"/>
-  </ds:schemaRefs>
-</ds:datastoreItem>
-</file>
-
-<file path=customXml/itemProps5.xml><?xml version="1.0" encoding="utf-8"?>
-<ds:datastoreItem xmlns:ds="http://schemas.openxmlformats.org/officeDocument/2006/customXml" ds:itemID="{9360AFB9-8F99-4E1B-878D-F2EBABEB164C}">
-  <ds:schemaRefs>
-    <ds:schemaRef ds:uri="http://schemas.microsoft.com/sharepoint/v3/contenttype/forms"/>
-  </ds:schemaRefs>
-</ds:datastoreItem>
-</file>
-
 <file path=customXml/itemProps6.xml><?xml version="1.0" encoding="utf-8"?>
-<ds:datastoreItem xmlns:ds="http://schemas.openxmlformats.org/officeDocument/2006/customXml" ds:itemID="{366CA990-F93D-4100-9654-65D9E30F4E1C}">
+<ds:datastoreItem xmlns:ds="http://schemas.openxmlformats.org/officeDocument/2006/customXml" ds:itemID="{C0F92A87-A216-45A9-B9C0-0515663D35BF}">
   <ds:schemaRefs>
     <ds:schemaRef ds:uri="http://schemas.microsoft.com/VisualStudio/2011/storyboarding/control"/>
   </ds:schemaRefs>
@@ -45247,17 +45437,15 @@
 </file>
 
 <file path=customXml/itemProps7.xml><?xml version="1.0" encoding="utf-8"?>
-<ds:datastoreItem xmlns:ds="http://schemas.openxmlformats.org/officeDocument/2006/customXml" ds:itemID="{E692D73E-1478-4790-BEEC-C5C534998F40}">
+<ds:datastoreItem xmlns:ds="http://schemas.openxmlformats.org/officeDocument/2006/customXml" ds:itemID="{376216F9-AF6B-4844-AE8C-B9F953F916AB}">
   <ds:schemaRefs>
-    <ds:schemaRef ds:uri="http://schemas.microsoft.com/office/2006/metadata/properties"/>
-    <ds:schemaRef ds:uri="http://schemas.microsoft.com/office/infopath/2007/PartnerControls"/>
-    <ds:schemaRef ds:uri="83cd2334-221a-48c3-9034-bfd1542dfe28"/>
+    <ds:schemaRef ds:uri="http://schemas.microsoft.com/VisualStudio/2011/storyboarding/control"/>
   </ds:schemaRefs>
 </ds:datastoreItem>
 </file>
 
 <file path=customXml/itemProps8.xml><?xml version="1.0" encoding="utf-8"?>
-<ds:datastoreItem xmlns:ds="http://schemas.openxmlformats.org/officeDocument/2006/customXml" ds:itemID="{473A6A21-7521-4B81-9336-9B587BA12275}">
+<ds:datastoreItem xmlns:ds="http://schemas.openxmlformats.org/officeDocument/2006/customXml" ds:itemID="{0443DAC5-400E-4C7D-904A-1655D788D461}">
   <ds:schemaRefs>
     <ds:schemaRef ds:uri="http://schemas.microsoft.com/office/2006/metadata/properties"/>
     <ds:schemaRef ds:uri="http://schemas.microsoft.com/office/infopath/2007/PartnerControls"/>
@@ -45267,9 +45455,9 @@
 </file>
 
 <file path=customXml/itemProps9.xml><?xml version="1.0" encoding="utf-8"?>
-<ds:datastoreItem xmlns:ds="http://schemas.openxmlformats.org/officeDocument/2006/customXml" ds:itemID="{8257D6BC-B71E-4D95-81E4-A1D4A8174168}">
+<ds:datastoreItem xmlns:ds="http://schemas.openxmlformats.org/officeDocument/2006/customXml" ds:itemID="{1EF25EC2-965B-4491-9691-6B806C9E3B8B}">
   <ds:schemaRefs>
-    <ds:schemaRef ds:uri="http://schemas.microsoft.com/VisualStudio/2011/storyboarding/control"/>
+    <ds:schemaRef ds:uri="http://schemas.microsoft.com/sharepoint/v3/contenttype/forms"/>
   </ds:schemaRefs>
 </ds:datastoreItem>
 </file>